--- a/doc/Java ITL C - HowTo.pptx
+++ b/doc/Java ITL C - HowTo.pptx
@@ -5,14 +5,14 @@
     <p:sldMasterId id="2147483745" r:id="rId1"/>
   </p:sldMasterIdLst>
   <p:notesMasterIdLst>
-    <p:notesMasterId r:id="rId19"/>
+    <p:notesMasterId r:id="rId11"/>
   </p:notesMasterIdLst>
   <p:handoutMasterIdLst>
-    <p:handoutMasterId r:id="rId20"/>
+    <p:handoutMasterId r:id="rId12"/>
   </p:handoutMasterIdLst>
   <p:sldIdLst>
-    <p:sldId id="343" r:id="rId2"/>
-    <p:sldId id="323" r:id="rId3"/>
+    <p:sldId id="323" r:id="rId2"/>
+    <p:sldId id="343" r:id="rId3"/>
     <p:sldId id="329" r:id="rId4"/>
     <p:sldId id="336" r:id="rId5"/>
     <p:sldId id="335" r:id="rId6"/>
@@ -20,14 +20,6 @@
     <p:sldId id="331" r:id="rId8"/>
     <p:sldId id="332" r:id="rId9"/>
     <p:sldId id="346" r:id="rId10"/>
-    <p:sldId id="339" r:id="rId11"/>
-    <p:sldId id="337" r:id="rId12"/>
-    <p:sldId id="338" r:id="rId13"/>
-    <p:sldId id="265" r:id="rId14"/>
-    <p:sldId id="271" r:id="rId15"/>
-    <p:sldId id="274" r:id="rId16"/>
-    <p:sldId id="275" r:id="rId17"/>
-    <p:sldId id="276" r:id="rId18"/>
   </p:sldIdLst>
   <p:sldSz cx="9144000" cy="5143500" type="screen16x9"/>
   <p:notesSz cx="6858000" cy="9144000"/>
@@ -332,7 +324,7 @@
           <a:p>
             <a:fld id="{60402F77-F1A7-45F9-88C8-3916BDFBDA68}" type="datetimeFigureOut">
               <a:rPr lang="sk-SK" smtClean="0"/>
-              <a:t>11. 11. 2020</a:t>
+              <a:t>4. 3. 2022</a:t>
             </a:fld>
             <a:endParaRPr lang="sk-SK"/>
           </a:p>
@@ -684,6 +676,122 @@
   <p:cSld>
     <p:spTree>
       <p:nvGrpSpPr>
+        <p:cNvPr id="1" name="Shape 33"/>
+        <p:cNvGrpSpPr/>
+        <p:nvPr/>
+      </p:nvGrpSpPr>
+      <p:grpSpPr>
+        <a:xfrm>
+          <a:off x="0" y="0"/>
+          <a:ext cx="0" cy="0"/>
+          <a:chOff x="0" y="0"/>
+          <a:chExt cx="0" cy="0"/>
+        </a:xfrm>
+      </p:grpSpPr>
+      <p:sp>
+        <p:nvSpPr>
+          <p:cNvPr id="34" name="Shape 34"/>
+          <p:cNvSpPr>
+            <a:spLocks noGrp="1" noRot="1" noChangeAspect="1"/>
+          </p:cNvSpPr>
+          <p:nvPr>
+            <p:ph type="sldImg" idx="2"/>
+          </p:nvPr>
+        </p:nvSpPr>
+        <p:spPr>
+          <a:xfrm>
+            <a:off x="381000" y="685800"/>
+            <a:ext cx="6096000" cy="3429000"/>
+          </a:xfrm>
+          <a:custGeom>
+            <a:avLst/>
+            <a:gdLst/>
+            <a:ahLst/>
+            <a:cxnLst/>
+            <a:rect l="0" t="0" r="0" b="0"/>
+            <a:pathLst>
+              <a:path w="120000" h="120000" extrusionOk="0">
+                <a:moveTo>
+                  <a:pt x="0" y="0"/>
+                </a:moveTo>
+                <a:lnTo>
+                  <a:pt x="120000" y="0"/>
+                </a:lnTo>
+                <a:lnTo>
+                  <a:pt x="120000" y="120000"/>
+                </a:lnTo>
+                <a:lnTo>
+                  <a:pt x="0" y="120000"/>
+                </a:lnTo>
+                <a:close/>
+              </a:path>
+            </a:pathLst>
+          </a:custGeom>
+          <a:noFill/>
+          <a:ln w="9525" cap="flat" cmpd="sng">
+            <a:solidFill>
+              <a:srgbClr val="000000"/>
+            </a:solidFill>
+            <a:prstDash val="solid"/>
+            <a:round/>
+            <a:headEnd type="none" w="med" len="med"/>
+            <a:tailEnd type="none" w="med" len="med"/>
+          </a:ln>
+        </p:spPr>
+      </p:sp>
+      <p:sp>
+        <p:nvSpPr>
+          <p:cNvPr id="35" name="Shape 35"/>
+          <p:cNvSpPr txBox="1">
+            <a:spLocks noGrp="1"/>
+          </p:cNvSpPr>
+          <p:nvPr>
+            <p:ph type="body" idx="1"/>
+          </p:nvPr>
+        </p:nvSpPr>
+        <p:spPr>
+          <a:xfrm>
+            <a:off x="685800" y="4343400"/>
+            <a:ext cx="5486399" cy="4114800"/>
+          </a:xfrm>
+          <a:prstGeom prst="rect">
+            <a:avLst/>
+          </a:prstGeom>
+        </p:spPr>
+        <p:txBody>
+          <a:bodyPr lIns="91425" tIns="91425" rIns="91425" bIns="91425" anchor="t" anchorCtr="0">
+            <a:noAutofit/>
+          </a:bodyPr>
+          <a:lstStyle/>
+          <a:p>
+            <a:pPr lvl="0" rtl="0">
+              <a:spcBef>
+                <a:spcPts val="0"/>
+              </a:spcBef>
+              <a:buNone/>
+            </a:pPr>
+            <a:endParaRPr/>
+          </a:p>
+        </p:txBody>
+      </p:sp>
+    </p:spTree>
+    <p:extLst>
+      <p:ext uri="{BB962C8B-B14F-4D97-AF65-F5344CB8AC3E}">
+        <p14:creationId xmlns:p14="http://schemas.microsoft.com/office/powerpoint/2010/main" val="1514485354"/>
+      </p:ext>
+    </p:extLst>
+  </p:cSld>
+  <p:clrMapOvr>
+    <a:masterClrMapping/>
+  </p:clrMapOvr>
+</p:notes>
+</file>
+
+<file path=ppt/notesSlides/notesSlide2.xml><?xml version="1.0" encoding="utf-8"?>
+<p:notes xmlns:a="http://schemas.openxmlformats.org/drawingml/2006/main" xmlns:r="http://schemas.openxmlformats.org/officeDocument/2006/relationships" xmlns:p="http://schemas.openxmlformats.org/presentationml/2006/main" showMasterSp="0" showMasterPhAnim="0">
+  <p:cSld>
+    <p:spTree>
+      <p:nvGrpSpPr>
         <p:cNvPr id="1" name="Shape 79"/>
         <p:cNvGrpSpPr/>
         <p:nvPr/>
@@ -786,1050 +894,6 @@
     <p:extLst>
       <p:ext uri="{BB962C8B-B14F-4D97-AF65-F5344CB8AC3E}">
         <p14:creationId xmlns:p14="http://schemas.microsoft.com/office/powerpoint/2010/main" val="2364443636"/>
-      </p:ext>
-    </p:extLst>
-  </p:cSld>
-  <p:clrMapOvr>
-    <a:masterClrMapping/>
-  </p:clrMapOvr>
-</p:notes>
-</file>
-
-<file path=ppt/notesSlides/notesSlide10.xml><?xml version="1.0" encoding="utf-8"?>
-<p:notes xmlns:a="http://schemas.openxmlformats.org/drawingml/2006/main" xmlns:r="http://schemas.openxmlformats.org/officeDocument/2006/relationships" xmlns:p="http://schemas.openxmlformats.org/presentationml/2006/main" showMasterSp="0" showMasterPhAnim="0">
-  <p:cSld>
-    <p:spTree>
-      <p:nvGrpSpPr>
-        <p:cNvPr id="1" name="Shape 52"/>
-        <p:cNvGrpSpPr/>
-        <p:nvPr/>
-      </p:nvGrpSpPr>
-      <p:grpSpPr>
-        <a:xfrm>
-          <a:off x="0" y="0"/>
-          <a:ext cx="0" cy="0"/>
-          <a:chOff x="0" y="0"/>
-          <a:chExt cx="0" cy="0"/>
-        </a:xfrm>
-      </p:grpSpPr>
-      <p:sp>
-        <p:nvSpPr>
-          <p:cNvPr id="53" name="Shape 53"/>
-          <p:cNvSpPr>
-            <a:spLocks noGrp="1" noRot="1" noChangeAspect="1"/>
-          </p:cNvSpPr>
-          <p:nvPr>
-            <p:ph type="sldImg" idx="2"/>
-          </p:nvPr>
-        </p:nvSpPr>
-        <p:spPr>
-          <a:xfrm>
-            <a:off x="381000" y="685800"/>
-            <a:ext cx="6096000" cy="3429000"/>
-          </a:xfrm>
-          <a:custGeom>
-            <a:avLst/>
-            <a:gdLst/>
-            <a:ahLst/>
-            <a:cxnLst/>
-            <a:rect l="0" t="0" r="0" b="0"/>
-            <a:pathLst>
-              <a:path w="120000" h="120000" extrusionOk="0">
-                <a:moveTo>
-                  <a:pt x="0" y="0"/>
-                </a:moveTo>
-                <a:lnTo>
-                  <a:pt x="120000" y="0"/>
-                </a:lnTo>
-                <a:lnTo>
-                  <a:pt x="120000" y="120000"/>
-                </a:lnTo>
-                <a:lnTo>
-                  <a:pt x="0" y="120000"/>
-                </a:lnTo>
-                <a:close/>
-              </a:path>
-            </a:pathLst>
-          </a:custGeom>
-          <a:noFill/>
-          <a:ln w="9525" cap="flat" cmpd="sng">
-            <a:solidFill>
-              <a:srgbClr val="000000"/>
-            </a:solidFill>
-            <a:prstDash val="solid"/>
-            <a:round/>
-            <a:headEnd type="none" w="med" len="med"/>
-            <a:tailEnd type="none" w="med" len="med"/>
-          </a:ln>
-        </p:spPr>
-      </p:sp>
-      <p:sp>
-        <p:nvSpPr>
-          <p:cNvPr id="54" name="Shape 54"/>
-          <p:cNvSpPr txBox="1">
-            <a:spLocks noGrp="1"/>
-          </p:cNvSpPr>
-          <p:nvPr>
-            <p:ph type="body" idx="1"/>
-          </p:nvPr>
-        </p:nvSpPr>
-        <p:spPr>
-          <a:xfrm>
-            <a:off x="685800" y="4343400"/>
-            <a:ext cx="5486399" cy="4114800"/>
-          </a:xfrm>
-          <a:prstGeom prst="rect">
-            <a:avLst/>
-          </a:prstGeom>
-        </p:spPr>
-        <p:txBody>
-          <a:bodyPr lIns="91425" tIns="91425" rIns="91425" bIns="91425" anchor="t" anchorCtr="0">
-            <a:noAutofit/>
-          </a:bodyPr>
-          <a:lstStyle/>
-          <a:p>
-            <a:pPr>
-              <a:spcBef>
-                <a:spcPts val="0"/>
-              </a:spcBef>
-              <a:buNone/>
-            </a:pPr>
-            <a:endParaRPr/>
-          </a:p>
-        </p:txBody>
-      </p:sp>
-    </p:spTree>
-    <p:extLst>
-      <p:ext uri="{BB962C8B-B14F-4D97-AF65-F5344CB8AC3E}">
-        <p14:creationId xmlns:p14="http://schemas.microsoft.com/office/powerpoint/2010/main" val="1580650971"/>
-      </p:ext>
-    </p:extLst>
-  </p:cSld>
-  <p:clrMapOvr>
-    <a:masterClrMapping/>
-  </p:clrMapOvr>
-</p:notes>
-</file>
-
-<file path=ppt/notesSlides/notesSlide11.xml><?xml version="1.0" encoding="utf-8"?>
-<p:notes xmlns:a="http://schemas.openxmlformats.org/drawingml/2006/main" xmlns:r="http://schemas.openxmlformats.org/officeDocument/2006/relationships" xmlns:p="http://schemas.openxmlformats.org/presentationml/2006/main" showMasterSp="0" showMasterPhAnim="0">
-  <p:cSld>
-    <p:spTree>
-      <p:nvGrpSpPr>
-        <p:cNvPr id="1" name="Shape 52"/>
-        <p:cNvGrpSpPr/>
-        <p:nvPr/>
-      </p:nvGrpSpPr>
-      <p:grpSpPr>
-        <a:xfrm>
-          <a:off x="0" y="0"/>
-          <a:ext cx="0" cy="0"/>
-          <a:chOff x="0" y="0"/>
-          <a:chExt cx="0" cy="0"/>
-        </a:xfrm>
-      </p:grpSpPr>
-      <p:sp>
-        <p:nvSpPr>
-          <p:cNvPr id="53" name="Shape 53"/>
-          <p:cNvSpPr>
-            <a:spLocks noGrp="1" noRot="1" noChangeAspect="1"/>
-          </p:cNvSpPr>
-          <p:nvPr>
-            <p:ph type="sldImg" idx="2"/>
-          </p:nvPr>
-        </p:nvSpPr>
-        <p:spPr>
-          <a:xfrm>
-            <a:off x="381000" y="685800"/>
-            <a:ext cx="6096000" cy="3429000"/>
-          </a:xfrm>
-          <a:custGeom>
-            <a:avLst/>
-            <a:gdLst/>
-            <a:ahLst/>
-            <a:cxnLst/>
-            <a:rect l="0" t="0" r="0" b="0"/>
-            <a:pathLst>
-              <a:path w="120000" h="120000" extrusionOk="0">
-                <a:moveTo>
-                  <a:pt x="0" y="0"/>
-                </a:moveTo>
-                <a:lnTo>
-                  <a:pt x="120000" y="0"/>
-                </a:lnTo>
-                <a:lnTo>
-                  <a:pt x="120000" y="120000"/>
-                </a:lnTo>
-                <a:lnTo>
-                  <a:pt x="0" y="120000"/>
-                </a:lnTo>
-                <a:close/>
-              </a:path>
-            </a:pathLst>
-          </a:custGeom>
-          <a:noFill/>
-          <a:ln w="9525" cap="flat" cmpd="sng">
-            <a:solidFill>
-              <a:srgbClr val="000000"/>
-            </a:solidFill>
-            <a:prstDash val="solid"/>
-            <a:round/>
-            <a:headEnd type="none" w="med" len="med"/>
-            <a:tailEnd type="none" w="med" len="med"/>
-          </a:ln>
-        </p:spPr>
-      </p:sp>
-      <p:sp>
-        <p:nvSpPr>
-          <p:cNvPr id="54" name="Shape 54"/>
-          <p:cNvSpPr txBox="1">
-            <a:spLocks noGrp="1"/>
-          </p:cNvSpPr>
-          <p:nvPr>
-            <p:ph type="body" idx="1"/>
-          </p:nvPr>
-        </p:nvSpPr>
-        <p:spPr>
-          <a:xfrm>
-            <a:off x="685800" y="4343400"/>
-            <a:ext cx="5486399" cy="4114800"/>
-          </a:xfrm>
-          <a:prstGeom prst="rect">
-            <a:avLst/>
-          </a:prstGeom>
-        </p:spPr>
-        <p:txBody>
-          <a:bodyPr lIns="91425" tIns="91425" rIns="91425" bIns="91425" anchor="t" anchorCtr="0">
-            <a:noAutofit/>
-          </a:bodyPr>
-          <a:lstStyle/>
-          <a:p>
-            <a:pPr>
-              <a:spcBef>
-                <a:spcPts val="0"/>
-              </a:spcBef>
-              <a:buNone/>
-            </a:pPr>
-            <a:endParaRPr/>
-          </a:p>
-        </p:txBody>
-      </p:sp>
-    </p:spTree>
-    <p:extLst>
-      <p:ext uri="{BB962C8B-B14F-4D97-AF65-F5344CB8AC3E}">
-        <p14:creationId xmlns:p14="http://schemas.microsoft.com/office/powerpoint/2010/main" val="1470869757"/>
-      </p:ext>
-    </p:extLst>
-  </p:cSld>
-  <p:clrMapOvr>
-    <a:masterClrMapping/>
-  </p:clrMapOvr>
-</p:notes>
-</file>
-
-<file path=ppt/notesSlides/notesSlide12.xml><?xml version="1.0" encoding="utf-8"?>
-<p:notes xmlns:a="http://schemas.openxmlformats.org/drawingml/2006/main" xmlns:r="http://schemas.openxmlformats.org/officeDocument/2006/relationships" xmlns:p="http://schemas.openxmlformats.org/presentationml/2006/main" showMasterSp="0" showMasterPhAnim="0">
-  <p:cSld>
-    <p:spTree>
-      <p:nvGrpSpPr>
-        <p:cNvPr id="1" name="Shape 52"/>
-        <p:cNvGrpSpPr/>
-        <p:nvPr/>
-      </p:nvGrpSpPr>
-      <p:grpSpPr>
-        <a:xfrm>
-          <a:off x="0" y="0"/>
-          <a:ext cx="0" cy="0"/>
-          <a:chOff x="0" y="0"/>
-          <a:chExt cx="0" cy="0"/>
-        </a:xfrm>
-      </p:grpSpPr>
-      <p:sp>
-        <p:nvSpPr>
-          <p:cNvPr id="53" name="Shape 53"/>
-          <p:cNvSpPr>
-            <a:spLocks noGrp="1" noRot="1" noChangeAspect="1"/>
-          </p:cNvSpPr>
-          <p:nvPr>
-            <p:ph type="sldImg" idx="2"/>
-          </p:nvPr>
-        </p:nvSpPr>
-        <p:spPr>
-          <a:xfrm>
-            <a:off x="381000" y="685800"/>
-            <a:ext cx="6096000" cy="3429000"/>
-          </a:xfrm>
-          <a:custGeom>
-            <a:avLst/>
-            <a:gdLst/>
-            <a:ahLst/>
-            <a:cxnLst/>
-            <a:rect l="0" t="0" r="0" b="0"/>
-            <a:pathLst>
-              <a:path w="120000" h="120000" extrusionOk="0">
-                <a:moveTo>
-                  <a:pt x="0" y="0"/>
-                </a:moveTo>
-                <a:lnTo>
-                  <a:pt x="120000" y="0"/>
-                </a:lnTo>
-                <a:lnTo>
-                  <a:pt x="120000" y="120000"/>
-                </a:lnTo>
-                <a:lnTo>
-                  <a:pt x="0" y="120000"/>
-                </a:lnTo>
-                <a:close/>
-              </a:path>
-            </a:pathLst>
-          </a:custGeom>
-          <a:noFill/>
-          <a:ln w="9525" cap="flat" cmpd="sng">
-            <a:solidFill>
-              <a:srgbClr val="000000"/>
-            </a:solidFill>
-            <a:prstDash val="solid"/>
-            <a:round/>
-            <a:headEnd type="none" w="med" len="med"/>
-            <a:tailEnd type="none" w="med" len="med"/>
-          </a:ln>
-        </p:spPr>
-      </p:sp>
-      <p:sp>
-        <p:nvSpPr>
-          <p:cNvPr id="54" name="Shape 54"/>
-          <p:cNvSpPr txBox="1">
-            <a:spLocks noGrp="1"/>
-          </p:cNvSpPr>
-          <p:nvPr>
-            <p:ph type="body" idx="1"/>
-          </p:nvPr>
-        </p:nvSpPr>
-        <p:spPr>
-          <a:xfrm>
-            <a:off x="685800" y="4343400"/>
-            <a:ext cx="5486399" cy="4114800"/>
-          </a:xfrm>
-          <a:prstGeom prst="rect">
-            <a:avLst/>
-          </a:prstGeom>
-        </p:spPr>
-        <p:txBody>
-          <a:bodyPr lIns="91425" tIns="91425" rIns="91425" bIns="91425" anchor="t" anchorCtr="0">
-            <a:noAutofit/>
-          </a:bodyPr>
-          <a:lstStyle/>
-          <a:p>
-            <a:pPr>
-              <a:spcBef>
-                <a:spcPts val="0"/>
-              </a:spcBef>
-              <a:buNone/>
-            </a:pPr>
-            <a:endParaRPr/>
-          </a:p>
-        </p:txBody>
-      </p:sp>
-    </p:spTree>
-    <p:extLst>
-      <p:ext uri="{BB962C8B-B14F-4D97-AF65-F5344CB8AC3E}">
-        <p14:creationId xmlns:p14="http://schemas.microsoft.com/office/powerpoint/2010/main" val="1261019986"/>
-      </p:ext>
-    </p:extLst>
-  </p:cSld>
-  <p:clrMapOvr>
-    <a:masterClrMapping/>
-  </p:clrMapOvr>
-</p:notes>
-</file>
-
-<file path=ppt/notesSlides/notesSlide13.xml><?xml version="1.0" encoding="utf-8"?>
-<p:notes xmlns:a="http://schemas.openxmlformats.org/drawingml/2006/main" xmlns:r="http://schemas.openxmlformats.org/officeDocument/2006/relationships" xmlns:p="http://schemas.openxmlformats.org/presentationml/2006/main" showMasterSp="0" showMasterPhAnim="0">
-  <p:cSld>
-    <p:spTree>
-      <p:nvGrpSpPr>
-        <p:cNvPr id="1" name="Shape 71"/>
-        <p:cNvGrpSpPr/>
-        <p:nvPr/>
-      </p:nvGrpSpPr>
-      <p:grpSpPr>
-        <a:xfrm>
-          <a:off x="0" y="0"/>
-          <a:ext cx="0" cy="0"/>
-          <a:chOff x="0" y="0"/>
-          <a:chExt cx="0" cy="0"/>
-        </a:xfrm>
-      </p:grpSpPr>
-      <p:sp>
-        <p:nvSpPr>
-          <p:cNvPr id="72" name="Shape 72"/>
-          <p:cNvSpPr>
-            <a:spLocks noGrp="1" noRot="1" noChangeAspect="1"/>
-          </p:cNvSpPr>
-          <p:nvPr>
-            <p:ph type="sldImg" idx="2"/>
-          </p:nvPr>
-        </p:nvSpPr>
-        <p:spPr>
-          <a:xfrm>
-            <a:off x="381000" y="685800"/>
-            <a:ext cx="6096000" cy="3429000"/>
-          </a:xfrm>
-          <a:custGeom>
-            <a:avLst/>
-            <a:gdLst/>
-            <a:ahLst/>
-            <a:cxnLst/>
-            <a:rect l="0" t="0" r="0" b="0"/>
-            <a:pathLst>
-              <a:path w="120000" h="120000" extrusionOk="0">
-                <a:moveTo>
-                  <a:pt x="0" y="0"/>
-                </a:moveTo>
-                <a:lnTo>
-                  <a:pt x="120000" y="0"/>
-                </a:lnTo>
-                <a:lnTo>
-                  <a:pt x="120000" y="120000"/>
-                </a:lnTo>
-                <a:lnTo>
-                  <a:pt x="0" y="120000"/>
-                </a:lnTo>
-                <a:close/>
-              </a:path>
-            </a:pathLst>
-          </a:custGeom>
-          <a:noFill/>
-          <a:ln w="9525" cap="flat" cmpd="sng">
-            <a:solidFill>
-              <a:srgbClr val="000000"/>
-            </a:solidFill>
-            <a:prstDash val="solid"/>
-            <a:round/>
-            <a:headEnd type="none" w="med" len="med"/>
-            <a:tailEnd type="none" w="med" len="med"/>
-          </a:ln>
-        </p:spPr>
-      </p:sp>
-      <p:sp>
-        <p:nvSpPr>
-          <p:cNvPr id="73" name="Shape 73"/>
-          <p:cNvSpPr txBox="1">
-            <a:spLocks noGrp="1"/>
-          </p:cNvSpPr>
-          <p:nvPr>
-            <p:ph type="body" idx="1"/>
-          </p:nvPr>
-        </p:nvSpPr>
-        <p:spPr>
-          <a:xfrm>
-            <a:off x="685800" y="4343400"/>
-            <a:ext cx="5486399" cy="4114800"/>
-          </a:xfrm>
-          <a:prstGeom prst="rect">
-            <a:avLst/>
-          </a:prstGeom>
-        </p:spPr>
-        <p:txBody>
-          <a:bodyPr lIns="91425" tIns="91425" rIns="91425" bIns="91425" anchor="t" anchorCtr="0">
-            <a:noAutofit/>
-          </a:bodyPr>
-          <a:lstStyle/>
-          <a:p>
-            <a:pPr>
-              <a:spcBef>
-                <a:spcPts val="0"/>
-              </a:spcBef>
-              <a:buNone/>
-            </a:pPr>
-            <a:endParaRPr/>
-          </a:p>
-        </p:txBody>
-      </p:sp>
-    </p:spTree>
-    <p:extLst>
-      <p:ext uri="{BB962C8B-B14F-4D97-AF65-F5344CB8AC3E}">
-        <p14:creationId xmlns:p14="http://schemas.microsoft.com/office/powerpoint/2010/main" val="1963616878"/>
-      </p:ext>
-    </p:extLst>
-  </p:cSld>
-  <p:clrMapOvr>
-    <a:masterClrMapping/>
-  </p:clrMapOvr>
-</p:notes>
-</file>
-
-<file path=ppt/notesSlides/notesSlide14.xml><?xml version="1.0" encoding="utf-8"?>
-<p:notes xmlns:a="http://schemas.openxmlformats.org/drawingml/2006/main" xmlns:r="http://schemas.openxmlformats.org/officeDocument/2006/relationships" xmlns:p="http://schemas.openxmlformats.org/presentationml/2006/main" showMasterSp="0" showMasterPhAnim="0">
-  <p:cSld>
-    <p:spTree>
-      <p:nvGrpSpPr>
-        <p:cNvPr id="1" name="Shape 111"/>
-        <p:cNvGrpSpPr/>
-        <p:nvPr/>
-      </p:nvGrpSpPr>
-      <p:grpSpPr>
-        <a:xfrm>
-          <a:off x="0" y="0"/>
-          <a:ext cx="0" cy="0"/>
-          <a:chOff x="0" y="0"/>
-          <a:chExt cx="0" cy="0"/>
-        </a:xfrm>
-      </p:grpSpPr>
-      <p:sp>
-        <p:nvSpPr>
-          <p:cNvPr id="112" name="Shape 112"/>
-          <p:cNvSpPr>
-            <a:spLocks noGrp="1" noRot="1" noChangeAspect="1"/>
-          </p:cNvSpPr>
-          <p:nvPr>
-            <p:ph type="sldImg" idx="2"/>
-          </p:nvPr>
-        </p:nvSpPr>
-        <p:spPr>
-          <a:xfrm>
-            <a:off x="381000" y="685800"/>
-            <a:ext cx="6096000" cy="3429000"/>
-          </a:xfrm>
-          <a:custGeom>
-            <a:avLst/>
-            <a:gdLst/>
-            <a:ahLst/>
-            <a:cxnLst/>
-            <a:rect l="0" t="0" r="0" b="0"/>
-            <a:pathLst>
-              <a:path w="120000" h="120000" extrusionOk="0">
-                <a:moveTo>
-                  <a:pt x="0" y="0"/>
-                </a:moveTo>
-                <a:lnTo>
-                  <a:pt x="120000" y="0"/>
-                </a:lnTo>
-                <a:lnTo>
-                  <a:pt x="120000" y="120000"/>
-                </a:lnTo>
-                <a:lnTo>
-                  <a:pt x="0" y="120000"/>
-                </a:lnTo>
-                <a:close/>
-              </a:path>
-            </a:pathLst>
-          </a:custGeom>
-          <a:noFill/>
-          <a:ln w="9525" cap="flat" cmpd="sng">
-            <a:solidFill>
-              <a:srgbClr val="000000"/>
-            </a:solidFill>
-            <a:prstDash val="solid"/>
-            <a:round/>
-            <a:headEnd type="none" w="med" len="med"/>
-            <a:tailEnd type="none" w="med" len="med"/>
-          </a:ln>
-        </p:spPr>
-      </p:sp>
-      <p:sp>
-        <p:nvSpPr>
-          <p:cNvPr id="113" name="Shape 113"/>
-          <p:cNvSpPr txBox="1">
-            <a:spLocks noGrp="1"/>
-          </p:cNvSpPr>
-          <p:nvPr>
-            <p:ph type="body" idx="1"/>
-          </p:nvPr>
-        </p:nvSpPr>
-        <p:spPr>
-          <a:xfrm>
-            <a:off x="685800" y="4343400"/>
-            <a:ext cx="5486399" cy="4114800"/>
-          </a:xfrm>
-          <a:prstGeom prst="rect">
-            <a:avLst/>
-          </a:prstGeom>
-        </p:spPr>
-        <p:txBody>
-          <a:bodyPr lIns="91425" tIns="91425" rIns="91425" bIns="91425" anchor="t" anchorCtr="0">
-            <a:noAutofit/>
-          </a:bodyPr>
-          <a:lstStyle/>
-          <a:p>
-            <a:pPr lvl="0" rtl="0">
-              <a:spcBef>
-                <a:spcPts val="0"/>
-              </a:spcBef>
-              <a:buNone/>
-            </a:pPr>
-            <a:endParaRPr/>
-          </a:p>
-        </p:txBody>
-      </p:sp>
-    </p:spTree>
-    <p:extLst>
-      <p:ext uri="{BB962C8B-B14F-4D97-AF65-F5344CB8AC3E}">
-        <p14:creationId xmlns:p14="http://schemas.microsoft.com/office/powerpoint/2010/main" val="1776393466"/>
-      </p:ext>
-    </p:extLst>
-  </p:cSld>
-  <p:clrMapOvr>
-    <a:masterClrMapping/>
-  </p:clrMapOvr>
-</p:notes>
-</file>
-
-<file path=ppt/notesSlides/notesSlide15.xml><?xml version="1.0" encoding="utf-8"?>
-<p:notes xmlns:a="http://schemas.openxmlformats.org/drawingml/2006/main" xmlns:r="http://schemas.openxmlformats.org/officeDocument/2006/relationships" xmlns:p="http://schemas.openxmlformats.org/presentationml/2006/main" showMasterSp="0" showMasterPhAnim="0">
-  <p:cSld>
-    <p:spTree>
-      <p:nvGrpSpPr>
-        <p:cNvPr id="1" name="Shape 136"/>
-        <p:cNvGrpSpPr/>
-        <p:nvPr/>
-      </p:nvGrpSpPr>
-      <p:grpSpPr>
-        <a:xfrm>
-          <a:off x="0" y="0"/>
-          <a:ext cx="0" cy="0"/>
-          <a:chOff x="0" y="0"/>
-          <a:chExt cx="0" cy="0"/>
-        </a:xfrm>
-      </p:grpSpPr>
-      <p:sp>
-        <p:nvSpPr>
-          <p:cNvPr id="137" name="Shape 137"/>
-          <p:cNvSpPr>
-            <a:spLocks noGrp="1" noRot="1" noChangeAspect="1"/>
-          </p:cNvSpPr>
-          <p:nvPr>
-            <p:ph type="sldImg" idx="2"/>
-          </p:nvPr>
-        </p:nvSpPr>
-        <p:spPr>
-          <a:xfrm>
-            <a:off x="381000" y="685800"/>
-            <a:ext cx="6096000" cy="3429000"/>
-          </a:xfrm>
-          <a:custGeom>
-            <a:avLst/>
-            <a:gdLst/>
-            <a:ahLst/>
-            <a:cxnLst/>
-            <a:rect l="0" t="0" r="0" b="0"/>
-            <a:pathLst>
-              <a:path w="120000" h="120000" extrusionOk="0">
-                <a:moveTo>
-                  <a:pt x="0" y="0"/>
-                </a:moveTo>
-                <a:lnTo>
-                  <a:pt x="120000" y="0"/>
-                </a:lnTo>
-                <a:lnTo>
-                  <a:pt x="120000" y="120000"/>
-                </a:lnTo>
-                <a:lnTo>
-                  <a:pt x="0" y="120000"/>
-                </a:lnTo>
-                <a:close/>
-              </a:path>
-            </a:pathLst>
-          </a:custGeom>
-          <a:noFill/>
-          <a:ln w="9525" cap="flat" cmpd="sng">
-            <a:solidFill>
-              <a:srgbClr val="000000"/>
-            </a:solidFill>
-            <a:prstDash val="solid"/>
-            <a:round/>
-            <a:headEnd type="none" w="med" len="med"/>
-            <a:tailEnd type="none" w="med" len="med"/>
-          </a:ln>
-        </p:spPr>
-      </p:sp>
-      <p:sp>
-        <p:nvSpPr>
-          <p:cNvPr id="138" name="Shape 138"/>
-          <p:cNvSpPr txBox="1">
-            <a:spLocks noGrp="1"/>
-          </p:cNvSpPr>
-          <p:nvPr>
-            <p:ph type="body" idx="1"/>
-          </p:nvPr>
-        </p:nvSpPr>
-        <p:spPr>
-          <a:xfrm>
-            <a:off x="685800" y="4343400"/>
-            <a:ext cx="5486399" cy="4114800"/>
-          </a:xfrm>
-          <a:prstGeom prst="rect">
-            <a:avLst/>
-          </a:prstGeom>
-        </p:spPr>
-        <p:txBody>
-          <a:bodyPr lIns="91425" tIns="91425" rIns="91425" bIns="91425" anchor="t" anchorCtr="0">
-            <a:noAutofit/>
-          </a:bodyPr>
-          <a:lstStyle/>
-          <a:p>
-            <a:pPr lvl="0" rtl="0">
-              <a:spcBef>
-                <a:spcPts val="0"/>
-              </a:spcBef>
-              <a:buNone/>
-            </a:pPr>
-            <a:endParaRPr/>
-          </a:p>
-        </p:txBody>
-      </p:sp>
-    </p:spTree>
-    <p:extLst>
-      <p:ext uri="{BB962C8B-B14F-4D97-AF65-F5344CB8AC3E}">
-        <p14:creationId xmlns:p14="http://schemas.microsoft.com/office/powerpoint/2010/main" val="531053098"/>
-      </p:ext>
-    </p:extLst>
-  </p:cSld>
-  <p:clrMapOvr>
-    <a:masterClrMapping/>
-  </p:clrMapOvr>
-</p:notes>
-</file>
-
-<file path=ppt/notesSlides/notesSlide16.xml><?xml version="1.0" encoding="utf-8"?>
-<p:notes xmlns:a="http://schemas.openxmlformats.org/drawingml/2006/main" xmlns:r="http://schemas.openxmlformats.org/officeDocument/2006/relationships" xmlns:p="http://schemas.openxmlformats.org/presentationml/2006/main" showMasterSp="0" showMasterPhAnim="0">
-  <p:cSld>
-    <p:spTree>
-      <p:nvGrpSpPr>
-        <p:cNvPr id="1" name="Shape 142"/>
-        <p:cNvGrpSpPr/>
-        <p:nvPr/>
-      </p:nvGrpSpPr>
-      <p:grpSpPr>
-        <a:xfrm>
-          <a:off x="0" y="0"/>
-          <a:ext cx="0" cy="0"/>
-          <a:chOff x="0" y="0"/>
-          <a:chExt cx="0" cy="0"/>
-        </a:xfrm>
-      </p:grpSpPr>
-      <p:sp>
-        <p:nvSpPr>
-          <p:cNvPr id="143" name="Shape 143"/>
-          <p:cNvSpPr>
-            <a:spLocks noGrp="1" noRot="1" noChangeAspect="1"/>
-          </p:cNvSpPr>
-          <p:nvPr>
-            <p:ph type="sldImg" idx="2"/>
-          </p:nvPr>
-        </p:nvSpPr>
-        <p:spPr>
-          <a:xfrm>
-            <a:off x="381000" y="685800"/>
-            <a:ext cx="6096000" cy="3429000"/>
-          </a:xfrm>
-          <a:custGeom>
-            <a:avLst/>
-            <a:gdLst/>
-            <a:ahLst/>
-            <a:cxnLst/>
-            <a:rect l="0" t="0" r="0" b="0"/>
-            <a:pathLst>
-              <a:path w="120000" h="120000" extrusionOk="0">
-                <a:moveTo>
-                  <a:pt x="0" y="0"/>
-                </a:moveTo>
-                <a:lnTo>
-                  <a:pt x="120000" y="0"/>
-                </a:lnTo>
-                <a:lnTo>
-                  <a:pt x="120000" y="120000"/>
-                </a:lnTo>
-                <a:lnTo>
-                  <a:pt x="0" y="120000"/>
-                </a:lnTo>
-                <a:close/>
-              </a:path>
-            </a:pathLst>
-          </a:custGeom>
-          <a:noFill/>
-          <a:ln w="9525" cap="flat" cmpd="sng">
-            <a:solidFill>
-              <a:srgbClr val="000000"/>
-            </a:solidFill>
-            <a:prstDash val="solid"/>
-            <a:round/>
-            <a:headEnd type="none" w="med" len="med"/>
-            <a:tailEnd type="none" w="med" len="med"/>
-          </a:ln>
-        </p:spPr>
-      </p:sp>
-      <p:sp>
-        <p:nvSpPr>
-          <p:cNvPr id="144" name="Shape 144"/>
-          <p:cNvSpPr txBox="1">
-            <a:spLocks noGrp="1"/>
-          </p:cNvSpPr>
-          <p:nvPr>
-            <p:ph type="body" idx="1"/>
-          </p:nvPr>
-        </p:nvSpPr>
-        <p:spPr>
-          <a:xfrm>
-            <a:off x="685800" y="4343400"/>
-            <a:ext cx="5486399" cy="4114800"/>
-          </a:xfrm>
-          <a:prstGeom prst="rect">
-            <a:avLst/>
-          </a:prstGeom>
-        </p:spPr>
-        <p:txBody>
-          <a:bodyPr lIns="91425" tIns="91425" rIns="91425" bIns="91425" anchor="t" anchorCtr="0">
-            <a:noAutofit/>
-          </a:bodyPr>
-          <a:lstStyle/>
-          <a:p>
-            <a:pPr lvl="0" rtl="0">
-              <a:spcBef>
-                <a:spcPts val="0"/>
-              </a:spcBef>
-              <a:buNone/>
-            </a:pPr>
-            <a:endParaRPr/>
-          </a:p>
-        </p:txBody>
-      </p:sp>
-    </p:spTree>
-    <p:extLst>
-      <p:ext uri="{BB962C8B-B14F-4D97-AF65-F5344CB8AC3E}">
-        <p14:creationId xmlns:p14="http://schemas.microsoft.com/office/powerpoint/2010/main" val="1130508672"/>
-      </p:ext>
-    </p:extLst>
-  </p:cSld>
-  <p:clrMapOvr>
-    <a:masterClrMapping/>
-  </p:clrMapOvr>
-</p:notes>
-</file>
-
-<file path=ppt/notesSlides/notesSlide17.xml><?xml version="1.0" encoding="utf-8"?>
-<p:notes xmlns:a="http://schemas.openxmlformats.org/drawingml/2006/main" xmlns:r="http://schemas.openxmlformats.org/officeDocument/2006/relationships" xmlns:p="http://schemas.openxmlformats.org/presentationml/2006/main" showMasterSp="0" showMasterPhAnim="0">
-  <p:cSld>
-    <p:spTree>
-      <p:nvGrpSpPr>
-        <p:cNvPr id="1" name="Shape 151"/>
-        <p:cNvGrpSpPr/>
-        <p:nvPr/>
-      </p:nvGrpSpPr>
-      <p:grpSpPr>
-        <a:xfrm>
-          <a:off x="0" y="0"/>
-          <a:ext cx="0" cy="0"/>
-          <a:chOff x="0" y="0"/>
-          <a:chExt cx="0" cy="0"/>
-        </a:xfrm>
-      </p:grpSpPr>
-      <p:sp>
-        <p:nvSpPr>
-          <p:cNvPr id="152" name="Shape 152"/>
-          <p:cNvSpPr>
-            <a:spLocks noGrp="1" noRot="1" noChangeAspect="1"/>
-          </p:cNvSpPr>
-          <p:nvPr>
-            <p:ph type="sldImg" idx="2"/>
-          </p:nvPr>
-        </p:nvSpPr>
-        <p:spPr>
-          <a:xfrm>
-            <a:off x="381000" y="685800"/>
-            <a:ext cx="6096000" cy="3429000"/>
-          </a:xfrm>
-          <a:custGeom>
-            <a:avLst/>
-            <a:gdLst/>
-            <a:ahLst/>
-            <a:cxnLst/>
-            <a:rect l="0" t="0" r="0" b="0"/>
-            <a:pathLst>
-              <a:path w="120000" h="120000" extrusionOk="0">
-                <a:moveTo>
-                  <a:pt x="0" y="0"/>
-                </a:moveTo>
-                <a:lnTo>
-                  <a:pt x="120000" y="0"/>
-                </a:lnTo>
-                <a:lnTo>
-                  <a:pt x="120000" y="120000"/>
-                </a:lnTo>
-                <a:lnTo>
-                  <a:pt x="0" y="120000"/>
-                </a:lnTo>
-                <a:close/>
-              </a:path>
-            </a:pathLst>
-          </a:custGeom>
-          <a:noFill/>
-          <a:ln w="9525" cap="flat" cmpd="sng">
-            <a:solidFill>
-              <a:srgbClr val="000000"/>
-            </a:solidFill>
-            <a:prstDash val="solid"/>
-            <a:round/>
-            <a:headEnd type="none" w="med" len="med"/>
-            <a:tailEnd type="none" w="med" len="med"/>
-          </a:ln>
-        </p:spPr>
-      </p:sp>
-      <p:sp>
-        <p:nvSpPr>
-          <p:cNvPr id="153" name="Shape 153"/>
-          <p:cNvSpPr txBox="1">
-            <a:spLocks noGrp="1"/>
-          </p:cNvSpPr>
-          <p:nvPr>
-            <p:ph type="body" idx="1"/>
-          </p:nvPr>
-        </p:nvSpPr>
-        <p:spPr>
-          <a:xfrm>
-            <a:off x="685800" y="4343400"/>
-            <a:ext cx="5486399" cy="4114800"/>
-          </a:xfrm>
-          <a:prstGeom prst="rect">
-            <a:avLst/>
-          </a:prstGeom>
-        </p:spPr>
-        <p:txBody>
-          <a:bodyPr lIns="91425" tIns="91425" rIns="91425" bIns="91425" anchor="t" anchorCtr="0">
-            <a:noAutofit/>
-          </a:bodyPr>
-          <a:lstStyle/>
-          <a:p>
-            <a:pPr lvl="0" rtl="0">
-              <a:spcBef>
-                <a:spcPts val="0"/>
-              </a:spcBef>
-              <a:buNone/>
-            </a:pPr>
-            <a:endParaRPr/>
-          </a:p>
-        </p:txBody>
-      </p:sp>
-    </p:spTree>
-    <p:extLst>
-      <p:ext uri="{BB962C8B-B14F-4D97-AF65-F5344CB8AC3E}">
-        <p14:creationId xmlns:p14="http://schemas.microsoft.com/office/powerpoint/2010/main" val="4043418029"/>
-      </p:ext>
-    </p:extLst>
-  </p:cSld>
-  <p:clrMapOvr>
-    <a:masterClrMapping/>
-  </p:clrMapOvr>
-</p:notes>
-</file>
-
-<file path=ppt/notesSlides/notesSlide2.xml><?xml version="1.0" encoding="utf-8"?>
-<p:notes xmlns:a="http://schemas.openxmlformats.org/drawingml/2006/main" xmlns:r="http://schemas.openxmlformats.org/officeDocument/2006/relationships" xmlns:p="http://schemas.openxmlformats.org/presentationml/2006/main" showMasterSp="0" showMasterPhAnim="0">
-  <p:cSld>
-    <p:spTree>
-      <p:nvGrpSpPr>
-        <p:cNvPr id="1" name="Shape 33"/>
-        <p:cNvGrpSpPr/>
-        <p:nvPr/>
-      </p:nvGrpSpPr>
-      <p:grpSpPr>
-        <a:xfrm>
-          <a:off x="0" y="0"/>
-          <a:ext cx="0" cy="0"/>
-          <a:chOff x="0" y="0"/>
-          <a:chExt cx="0" cy="0"/>
-        </a:xfrm>
-      </p:grpSpPr>
-      <p:sp>
-        <p:nvSpPr>
-          <p:cNvPr id="34" name="Shape 34"/>
-          <p:cNvSpPr>
-            <a:spLocks noGrp="1" noRot="1" noChangeAspect="1"/>
-          </p:cNvSpPr>
-          <p:nvPr>
-            <p:ph type="sldImg" idx="2"/>
-          </p:nvPr>
-        </p:nvSpPr>
-        <p:spPr>
-          <a:xfrm>
-            <a:off x="381000" y="685800"/>
-            <a:ext cx="6096000" cy="3429000"/>
-          </a:xfrm>
-          <a:custGeom>
-            <a:avLst/>
-            <a:gdLst/>
-            <a:ahLst/>
-            <a:cxnLst/>
-            <a:rect l="0" t="0" r="0" b="0"/>
-            <a:pathLst>
-              <a:path w="120000" h="120000" extrusionOk="0">
-                <a:moveTo>
-                  <a:pt x="0" y="0"/>
-                </a:moveTo>
-                <a:lnTo>
-                  <a:pt x="120000" y="0"/>
-                </a:lnTo>
-                <a:lnTo>
-                  <a:pt x="120000" y="120000"/>
-                </a:lnTo>
-                <a:lnTo>
-                  <a:pt x="0" y="120000"/>
-                </a:lnTo>
-                <a:close/>
-              </a:path>
-            </a:pathLst>
-          </a:custGeom>
-          <a:noFill/>
-          <a:ln w="9525" cap="flat" cmpd="sng">
-            <a:solidFill>
-              <a:srgbClr val="000000"/>
-            </a:solidFill>
-            <a:prstDash val="solid"/>
-            <a:round/>
-            <a:headEnd type="none" w="med" len="med"/>
-            <a:tailEnd type="none" w="med" len="med"/>
-          </a:ln>
-        </p:spPr>
-      </p:sp>
-      <p:sp>
-        <p:nvSpPr>
-          <p:cNvPr id="35" name="Shape 35"/>
-          <p:cNvSpPr txBox="1">
-            <a:spLocks noGrp="1"/>
-          </p:cNvSpPr>
-          <p:nvPr>
-            <p:ph type="body" idx="1"/>
-          </p:nvPr>
-        </p:nvSpPr>
-        <p:spPr>
-          <a:xfrm>
-            <a:off x="685800" y="4343400"/>
-            <a:ext cx="5486399" cy="4114800"/>
-          </a:xfrm>
-          <a:prstGeom prst="rect">
-            <a:avLst/>
-          </a:prstGeom>
-        </p:spPr>
-        <p:txBody>
-          <a:bodyPr lIns="91425" tIns="91425" rIns="91425" bIns="91425" anchor="t" anchorCtr="0">
-            <a:noAutofit/>
-          </a:bodyPr>
-          <a:lstStyle/>
-          <a:p>
-            <a:pPr lvl="0" rtl="0">
-              <a:spcBef>
-                <a:spcPts val="0"/>
-              </a:spcBef>
-              <a:buNone/>
-            </a:pPr>
-            <a:endParaRPr/>
-          </a:p>
-        </p:txBody>
-      </p:sp>
-    </p:spTree>
-    <p:extLst>
-      <p:ext uri="{BB962C8B-B14F-4D97-AF65-F5344CB8AC3E}">
-        <p14:creationId xmlns:p14="http://schemas.microsoft.com/office/powerpoint/2010/main" val="1514485354"/>
       </p:ext>
     </p:extLst>
   </p:cSld>
@@ -5508,6 +4572,146 @@
   <p:cSld>
     <p:spTree>
       <p:nvGrpSpPr>
+        <p:cNvPr id="1" name="Shape 30"/>
+        <p:cNvGrpSpPr/>
+        <p:nvPr/>
+      </p:nvGrpSpPr>
+      <p:grpSpPr>
+        <a:xfrm>
+          <a:off x="0" y="0"/>
+          <a:ext cx="0" cy="0"/>
+          <a:chOff x="0" y="0"/>
+          <a:chExt cx="0" cy="0"/>
+        </a:xfrm>
+      </p:grpSpPr>
+      <p:sp>
+        <p:nvSpPr>
+          <p:cNvPr id="15" name="Zástupný symbol čísla snímky 14"/>
+          <p:cNvSpPr>
+            <a:spLocks noGrp="1"/>
+          </p:cNvSpPr>
+          <p:nvPr>
+            <p:ph type="sldNum" sz="quarter" idx="12"/>
+          </p:nvPr>
+        </p:nvSpPr>
+        <p:spPr/>
+        <p:txBody>
+          <a:bodyPr/>
+          <a:lstStyle/>
+          <a:p>
+            <a:fld id="{7497AAFE-E2E9-4BD8-8F5D-0DCF3CAF0ED9}" type="slidenum">
+              <a:rPr lang="sk-SK" smtClean="0"/>
+              <a:t>1</a:t>
+            </a:fld>
+            <a:endParaRPr lang="sk-SK"/>
+          </a:p>
+        </p:txBody>
+      </p:sp>
+      <p:pic>
+        <p:nvPicPr>
+          <p:cNvPr id="2" name="Obrázok 1"/>
+          <p:cNvPicPr>
+            <a:picLocks noChangeAspect="1"/>
+          </p:cNvPicPr>
+          <p:nvPr/>
+        </p:nvPicPr>
+        <p:blipFill>
+          <a:blip r:embed="rId3"/>
+          <a:stretch>
+            <a:fillRect/>
+          </a:stretch>
+        </p:blipFill>
+        <p:spPr>
+          <a:xfrm>
+            <a:off x="423252" y="1313632"/>
+            <a:ext cx="8323809" cy="3371429"/>
+          </a:xfrm>
+          <a:prstGeom prst="rect">
+            <a:avLst/>
+          </a:prstGeom>
+        </p:spPr>
+      </p:pic>
+      <p:sp>
+        <p:nvSpPr>
+          <p:cNvPr id="4" name="Shape 45"/>
+          <p:cNvSpPr txBox="1"/>
+          <p:nvPr/>
+        </p:nvSpPr>
+        <p:spPr>
+          <a:xfrm>
+            <a:off x="2547634" y="404253"/>
+            <a:ext cx="4075043" cy="728699"/>
+          </a:xfrm>
+          <a:prstGeom prst="rect">
+            <a:avLst/>
+          </a:prstGeom>
+          <a:noFill/>
+          <a:ln>
+            <a:noFill/>
+          </a:ln>
+        </p:spPr>
+        <p:txBody>
+          <a:bodyPr lIns="91425" tIns="91425" rIns="91425" bIns="91425" anchor="t" anchorCtr="0">
+            <a:noAutofit/>
+          </a:bodyPr>
+          <a:lstStyle/>
+          <a:p>
+            <a:pPr lvl="0" rtl="0">
+              <a:lnSpc>
+                <a:spcPct val="115000"/>
+              </a:lnSpc>
+              <a:spcBef>
+                <a:spcPts val="0"/>
+              </a:spcBef>
+              <a:buClr>
+                <a:schemeClr val="dk1"/>
+              </a:buClr>
+              <a:buFont typeface="Arial"/>
+              <a:buNone/>
+            </a:pPr>
+            <a:r>
+              <a:rPr lang="en-US" sz="2400" b="1" dirty="0">
+                <a:solidFill>
+                  <a:schemeClr val="tx1">
+                    <a:lumMod val="65000"/>
+                    <a:lumOff val="35000"/>
+                  </a:schemeClr>
+                </a:solidFill>
+              </a:rPr>
+              <a:t>JAVA, CLASS, JVM, JRE</a:t>
+            </a:r>
+            <a:endParaRPr sz="2400" b="1" dirty="0">
+              <a:solidFill>
+                <a:schemeClr val="tx1">
+                  <a:lumMod val="65000"/>
+                  <a:lumOff val="35000"/>
+                </a:schemeClr>
+              </a:solidFill>
+            </a:endParaRPr>
+          </a:p>
+        </p:txBody>
+      </p:sp>
+    </p:spTree>
+    <p:extLst>
+      <p:ext uri="{BB962C8B-B14F-4D97-AF65-F5344CB8AC3E}">
+        <p14:creationId xmlns:p14="http://schemas.microsoft.com/office/powerpoint/2010/main" val="471694266"/>
+      </p:ext>
+    </p:extLst>
+  </p:cSld>
+  <p:clrMapOvr>
+    <a:masterClrMapping/>
+  </p:clrMapOvr>
+  <p:transition spd="slow">
+    <p:cut/>
+  </p:transition>
+</p:sld>
+</file>
+
+<file path=ppt/slides/slide2.xml><?xml version="1.0" encoding="utf-8"?>
+<p:sld xmlns:a="http://schemas.openxmlformats.org/drawingml/2006/main" xmlns:r="http://schemas.openxmlformats.org/officeDocument/2006/relationships" xmlns:p="http://schemas.openxmlformats.org/presentationml/2006/main">
+  <p:cSld>
+    <p:spTree>
+      <p:nvGrpSpPr>
         <p:cNvPr id="1" name="Shape 74"/>
         <p:cNvGrpSpPr/>
         <p:nvPr/>
@@ -5537,7 +4741,7 @@
           <a:p>
             <a:fld id="{7497AAFE-E2E9-4BD8-8F5D-0DCF3CAF0ED9}" type="slidenum">
               <a:rPr lang="sk-SK" smtClean="0"/>
-              <a:t>1</a:t>
+              <a:t>2</a:t>
             </a:fld>
             <a:endParaRPr lang="sk-SK"/>
           </a:p>
@@ -6162,2497 +5366,6 @@
     <p:extLst>
       <p:ext uri="{BB962C8B-B14F-4D97-AF65-F5344CB8AC3E}">
         <p14:creationId xmlns:p14="http://schemas.microsoft.com/office/powerpoint/2010/main" val="2877309778"/>
-      </p:ext>
-    </p:extLst>
-  </p:cSld>
-  <p:clrMapOvr>
-    <a:masterClrMapping/>
-  </p:clrMapOvr>
-  <p:transition spd="slow">
-    <p:cut/>
-  </p:transition>
-</p:sld>
-</file>
-
-<file path=ppt/slides/slide10.xml><?xml version="1.0" encoding="utf-8"?>
-<p:sld xmlns:a="http://schemas.openxmlformats.org/drawingml/2006/main" xmlns:r="http://schemas.openxmlformats.org/officeDocument/2006/relationships" xmlns:p="http://schemas.openxmlformats.org/presentationml/2006/main">
-  <p:cSld>
-    <p:spTree>
-      <p:nvGrpSpPr>
-        <p:cNvPr id="1" name="Shape 49"/>
-        <p:cNvGrpSpPr/>
-        <p:nvPr/>
-      </p:nvGrpSpPr>
-      <p:grpSpPr>
-        <a:xfrm>
-          <a:off x="0" y="0"/>
-          <a:ext cx="0" cy="0"/>
-          <a:chOff x="0" y="0"/>
-          <a:chExt cx="0" cy="0"/>
-        </a:xfrm>
-      </p:grpSpPr>
-      <p:sp>
-        <p:nvSpPr>
-          <p:cNvPr id="51" name="Shape 51"/>
-          <p:cNvSpPr txBox="1"/>
-          <p:nvPr/>
-        </p:nvSpPr>
-        <p:spPr>
-          <a:xfrm>
-            <a:off x="203930" y="861773"/>
-            <a:ext cx="8795344" cy="4179334"/>
-          </a:xfrm>
-          <a:prstGeom prst="rect">
-            <a:avLst/>
-          </a:prstGeom>
-          <a:noFill/>
-          <a:ln>
-            <a:noFill/>
-          </a:ln>
-        </p:spPr>
-        <p:txBody>
-          <a:bodyPr lIns="91425" tIns="91425" rIns="91425" bIns="91425" anchor="t" anchorCtr="0">
-            <a:noAutofit/>
-          </a:bodyPr>
-          <a:lstStyle/>
-          <a:p>
-            <a:pPr lvl="0">
-              <a:lnSpc>
-                <a:spcPct val="115000"/>
-              </a:lnSpc>
-              <a:buClr>
-                <a:schemeClr val="dk1"/>
-              </a:buClr>
-              <a:buSzPct val="45833"/>
-            </a:pPr>
-            <a:r>
-              <a:rPr lang="sk" sz="2400" b="1" dirty="0">
-                <a:solidFill>
-                  <a:schemeClr val="tx1">
-                    <a:lumMod val="65000"/>
-                    <a:lumOff val="35000"/>
-                  </a:schemeClr>
-                </a:solidFill>
-              </a:rPr>
-              <a:t>Java Applety (cca </a:t>
-            </a:r>
-            <a:r>
-              <a:rPr lang="en-US" sz="2400" b="1" dirty="0">
-                <a:solidFill>
-                  <a:schemeClr val="tx1">
-                    <a:lumMod val="65000"/>
-                    <a:lumOff val="35000"/>
-                  </a:schemeClr>
-                </a:solidFill>
-              </a:rPr>
-              <a:t>0</a:t>
-            </a:r>
-            <a:r>
-              <a:rPr lang="sk" sz="2400" b="1" dirty="0">
-                <a:solidFill>
-                  <a:schemeClr val="tx1">
-                    <a:lumMod val="65000"/>
-                    <a:lumOff val="35000"/>
-                  </a:schemeClr>
-                </a:solidFill>
-              </a:rPr>
-              <a:t>%)</a:t>
-            </a:r>
-          </a:p>
-          <a:p>
-            <a:pPr marL="457200" lvl="0" indent="-342900">
-              <a:lnSpc>
-                <a:spcPct val="115000"/>
-              </a:lnSpc>
-              <a:spcBef>
-                <a:spcPts val="1000"/>
-              </a:spcBef>
-              <a:buClr>
-                <a:srgbClr val="666666"/>
-              </a:buClr>
-              <a:buSzPct val="100000"/>
-              <a:buFont typeface="Arial" panose="020B0604020202020204" pitchFamily="34" charset="0"/>
-              <a:buChar char="•"/>
-            </a:pPr>
-            <a:r>
-              <a:rPr lang="sk" sz="1800" dirty="0">
-                <a:solidFill>
-                  <a:schemeClr val="tx1">
-                    <a:lumMod val="65000"/>
-                    <a:lumOff val="35000"/>
-                  </a:schemeClr>
-                </a:solidFill>
-              </a:rPr>
-              <a:t>java kód vložíme do web stránky</a:t>
-            </a:r>
-          </a:p>
-          <a:p>
-            <a:pPr marL="457200" lvl="0" indent="-342900">
-              <a:lnSpc>
-                <a:spcPct val="115000"/>
-              </a:lnSpc>
-              <a:spcBef>
-                <a:spcPts val="1000"/>
-              </a:spcBef>
-              <a:buClr>
-                <a:srgbClr val="666666"/>
-              </a:buClr>
-              <a:buSzPct val="100000"/>
-              <a:buFont typeface="Arial" panose="020B0604020202020204" pitchFamily="34" charset="0"/>
-              <a:buChar char="•"/>
-            </a:pPr>
-            <a:r>
-              <a:rPr lang="sk" sz="1800" dirty="0">
-                <a:solidFill>
-                  <a:schemeClr val="tx1">
-                    <a:lumMod val="65000"/>
-                    <a:lumOff val="35000"/>
-                  </a:schemeClr>
-                </a:solidFill>
-              </a:rPr>
-              <a:t>web stránku umiestnime na webový server</a:t>
-            </a:r>
-          </a:p>
-          <a:p>
-            <a:pPr marL="457200" lvl="0" indent="-342900">
-              <a:lnSpc>
-                <a:spcPct val="115000"/>
-              </a:lnSpc>
-              <a:spcBef>
-                <a:spcPts val="1000"/>
-              </a:spcBef>
-              <a:buClr>
-                <a:srgbClr val="666666"/>
-              </a:buClr>
-              <a:buSzPct val="100000"/>
-              <a:buFont typeface="Arial" panose="020B0604020202020204" pitchFamily="34" charset="0"/>
-              <a:buChar char="•"/>
-            </a:pPr>
-            <a:r>
-              <a:rPr lang="sk" sz="1800" dirty="0">
-                <a:solidFill>
-                  <a:schemeClr val="tx1">
-                    <a:lumMod val="65000"/>
-                    <a:lumOff val="35000"/>
-                  </a:schemeClr>
-                </a:solidFill>
-              </a:rPr>
-              <a:t>užívateľ si stránku otvorí z internetu</a:t>
-            </a:r>
-          </a:p>
-          <a:p>
-            <a:pPr marL="457200" lvl="0" indent="-342900">
-              <a:lnSpc>
-                <a:spcPct val="115000"/>
-              </a:lnSpc>
-              <a:spcBef>
-                <a:spcPts val="1000"/>
-              </a:spcBef>
-              <a:buClr>
-                <a:srgbClr val="666666"/>
-              </a:buClr>
-              <a:buSzPct val="100000"/>
-              <a:buFont typeface="Arial" panose="020B0604020202020204" pitchFamily="34" charset="0"/>
-              <a:buChar char="•"/>
-            </a:pPr>
-            <a:r>
-              <a:rPr lang="sk" sz="1800" dirty="0">
-                <a:solidFill>
-                  <a:schemeClr val="tx1">
-                    <a:lumMod val="65000"/>
-                    <a:lumOff val="35000"/>
-                  </a:schemeClr>
-                </a:solidFill>
-              </a:rPr>
-              <a:t>java kód sa vykoná pri načítavaní webstránky v prehliadači užívateľa</a:t>
-            </a:r>
-          </a:p>
-          <a:p>
-            <a:pPr marL="457200" lvl="0" indent="-342900">
-              <a:lnSpc>
-                <a:spcPct val="115000"/>
-              </a:lnSpc>
-              <a:spcBef>
-                <a:spcPts val="1000"/>
-              </a:spcBef>
-              <a:buClr>
-                <a:srgbClr val="666666"/>
-              </a:buClr>
-              <a:buSzPct val="100000"/>
-              <a:buFont typeface="Arial" panose="020B0604020202020204" pitchFamily="34" charset="0"/>
-              <a:buChar char="•"/>
-            </a:pPr>
-            <a:r>
-              <a:rPr lang="sk" sz="1800" dirty="0">
-                <a:solidFill>
-                  <a:schemeClr val="tx1">
-                    <a:lumMod val="65000"/>
-                    <a:lumOff val="35000"/>
-                  </a:schemeClr>
-                </a:solidFill>
-              </a:rPr>
-              <a:t>výsledok sa vloží do webstránky</a:t>
-            </a:r>
-          </a:p>
-          <a:p>
-            <a:pPr marL="457200" lvl="0" indent="-342900">
-              <a:lnSpc>
-                <a:spcPct val="115000"/>
-              </a:lnSpc>
-              <a:spcBef>
-                <a:spcPts val="1000"/>
-              </a:spcBef>
-              <a:buClr>
-                <a:srgbClr val="666666"/>
-              </a:buClr>
-              <a:buSzPct val="100000"/>
-              <a:buFont typeface="Arial" panose="020B0604020202020204" pitchFamily="34" charset="0"/>
-              <a:buChar char="•"/>
-            </a:pPr>
-            <a:r>
-              <a:rPr lang="sk" sz="1800" dirty="0">
-                <a:solidFill>
-                  <a:schemeClr val="tx1">
-                    <a:lumMod val="65000"/>
-                    <a:lumOff val="35000"/>
-                  </a:schemeClr>
-                </a:solidFill>
-              </a:rPr>
-              <a:t>vyžaduje sa plug-in pre prehliadač</a:t>
-            </a:r>
-          </a:p>
-          <a:p>
-            <a:pPr lvl="0" rtl="0">
-              <a:lnSpc>
-                <a:spcPct val="115000"/>
-              </a:lnSpc>
-              <a:spcBef>
-                <a:spcPts val="0"/>
-              </a:spcBef>
-              <a:buClr>
-                <a:schemeClr val="dk1"/>
-              </a:buClr>
-              <a:buFont typeface="Arial"/>
-              <a:buNone/>
-            </a:pPr>
-            <a:endParaRPr sz="2400" dirty="0">
-              <a:solidFill>
-                <a:schemeClr val="tx1">
-                  <a:lumMod val="65000"/>
-                  <a:lumOff val="35000"/>
-                </a:schemeClr>
-              </a:solidFill>
-            </a:endParaRPr>
-          </a:p>
-          <a:p>
-            <a:pPr lvl="0" rtl="0">
-              <a:lnSpc>
-                <a:spcPct val="115000"/>
-              </a:lnSpc>
-              <a:spcBef>
-                <a:spcPts val="0"/>
-              </a:spcBef>
-              <a:buClr>
-                <a:schemeClr val="dk1"/>
-              </a:buClr>
-              <a:buFont typeface="Arial"/>
-              <a:buNone/>
-            </a:pPr>
-            <a:endParaRPr sz="2400" b="1" dirty="0">
-              <a:solidFill>
-                <a:schemeClr val="tx1">
-                  <a:lumMod val="65000"/>
-                  <a:lumOff val="35000"/>
-                </a:schemeClr>
-              </a:solidFill>
-            </a:endParaRPr>
-          </a:p>
-          <a:p>
-            <a:pPr lvl="0" rtl="0">
-              <a:lnSpc>
-                <a:spcPct val="115000"/>
-              </a:lnSpc>
-              <a:spcBef>
-                <a:spcPts val="0"/>
-              </a:spcBef>
-              <a:buNone/>
-            </a:pPr>
-            <a:endParaRPr sz="2400" dirty="0">
-              <a:solidFill>
-                <a:schemeClr val="tx1">
-                  <a:lumMod val="65000"/>
-                  <a:lumOff val="35000"/>
-                </a:schemeClr>
-              </a:solidFill>
-            </a:endParaRPr>
-          </a:p>
-        </p:txBody>
-      </p:sp>
-      <p:sp>
-        <p:nvSpPr>
-          <p:cNvPr id="5" name="Zástupný symbol čísla snímky 4"/>
-          <p:cNvSpPr>
-            <a:spLocks noGrp="1"/>
-          </p:cNvSpPr>
-          <p:nvPr>
-            <p:ph type="sldNum" sz="quarter" idx="12"/>
-          </p:nvPr>
-        </p:nvSpPr>
-        <p:spPr/>
-        <p:txBody>
-          <a:bodyPr/>
-          <a:lstStyle/>
-          <a:p>
-            <a:fld id="{7497AAFE-E2E9-4BD8-8F5D-0DCF3CAF0ED9}" type="slidenum">
-              <a:rPr lang="sk-SK" smtClean="0"/>
-              <a:t>10</a:t>
-            </a:fld>
-            <a:endParaRPr lang="sk-SK"/>
-          </a:p>
-        </p:txBody>
-      </p:sp>
-      <p:sp>
-        <p:nvSpPr>
-          <p:cNvPr id="7" name="Shape 45"/>
-          <p:cNvSpPr txBox="1"/>
-          <p:nvPr/>
-        </p:nvSpPr>
-        <p:spPr>
-          <a:xfrm>
-            <a:off x="3237557" y="333455"/>
-            <a:ext cx="2465931" cy="528318"/>
-          </a:xfrm>
-          <a:prstGeom prst="rect">
-            <a:avLst/>
-          </a:prstGeom>
-          <a:noFill/>
-          <a:ln>
-            <a:noFill/>
-          </a:ln>
-        </p:spPr>
-        <p:txBody>
-          <a:bodyPr lIns="91425" tIns="91425" rIns="91425" bIns="91425" anchor="t" anchorCtr="0">
-            <a:noAutofit/>
-          </a:bodyPr>
-          <a:lstStyle/>
-          <a:p>
-            <a:pPr lvl="0" rtl="0">
-              <a:spcBef>
-                <a:spcPts val="0"/>
-              </a:spcBef>
-              <a:buClr>
-                <a:schemeClr val="dk1"/>
-              </a:buClr>
-              <a:buSzPct val="45833"/>
-              <a:buFont typeface="Arial"/>
-              <a:buNone/>
-            </a:pPr>
-            <a:r>
-              <a:rPr lang="sk-SK" sz="2400" b="1" dirty="0">
-                <a:solidFill>
-                  <a:schemeClr val="tx1">
-                    <a:lumMod val="65000"/>
-                    <a:lumOff val="35000"/>
-                  </a:schemeClr>
-                </a:solidFill>
-              </a:rPr>
-              <a:t>VYUŽITIE JAVY</a:t>
-            </a:r>
-            <a:endParaRPr sz="2400" b="1" dirty="0">
-              <a:solidFill>
-                <a:schemeClr val="tx1">
-                  <a:lumMod val="65000"/>
-                  <a:lumOff val="35000"/>
-                </a:schemeClr>
-              </a:solidFill>
-            </a:endParaRPr>
-          </a:p>
-        </p:txBody>
-      </p:sp>
-    </p:spTree>
-    <p:extLst>
-      <p:ext uri="{BB962C8B-B14F-4D97-AF65-F5344CB8AC3E}">
-        <p14:creationId xmlns:p14="http://schemas.microsoft.com/office/powerpoint/2010/main" val="861004309"/>
-      </p:ext>
-    </p:extLst>
-  </p:cSld>
-  <p:clrMapOvr>
-    <a:masterClrMapping/>
-  </p:clrMapOvr>
-  <p:transition spd="slow">
-    <p:cut/>
-  </p:transition>
-</p:sld>
-</file>
-
-<file path=ppt/slides/slide11.xml><?xml version="1.0" encoding="utf-8"?>
-<p:sld xmlns:a="http://schemas.openxmlformats.org/drawingml/2006/main" xmlns:r="http://schemas.openxmlformats.org/officeDocument/2006/relationships" xmlns:p="http://schemas.openxmlformats.org/presentationml/2006/main">
-  <p:cSld>
-    <p:spTree>
-      <p:nvGrpSpPr>
-        <p:cNvPr id="1" name="Shape 49"/>
-        <p:cNvGrpSpPr/>
-        <p:nvPr/>
-      </p:nvGrpSpPr>
-      <p:grpSpPr>
-        <a:xfrm>
-          <a:off x="0" y="0"/>
-          <a:ext cx="0" cy="0"/>
-          <a:chOff x="0" y="0"/>
-          <a:chExt cx="0" cy="0"/>
-        </a:xfrm>
-      </p:grpSpPr>
-      <p:sp>
-        <p:nvSpPr>
-          <p:cNvPr id="51" name="Shape 51"/>
-          <p:cNvSpPr txBox="1"/>
-          <p:nvPr/>
-        </p:nvSpPr>
-        <p:spPr>
-          <a:xfrm>
-            <a:off x="203930" y="861773"/>
-            <a:ext cx="8795344" cy="4179334"/>
-          </a:xfrm>
-          <a:prstGeom prst="rect">
-            <a:avLst/>
-          </a:prstGeom>
-          <a:noFill/>
-          <a:ln>
-            <a:noFill/>
-          </a:ln>
-        </p:spPr>
-        <p:txBody>
-          <a:bodyPr lIns="91425" tIns="91425" rIns="91425" bIns="91425" anchor="t" anchorCtr="0">
-            <a:noAutofit/>
-          </a:bodyPr>
-          <a:lstStyle/>
-          <a:p>
-            <a:pPr lvl="0">
-              <a:lnSpc>
-                <a:spcPct val="115000"/>
-              </a:lnSpc>
-              <a:buClr>
-                <a:schemeClr val="dk1"/>
-              </a:buClr>
-              <a:buSzPct val="45833"/>
-            </a:pPr>
-            <a:r>
-              <a:rPr lang="sk" sz="2400" b="1" dirty="0">
-                <a:solidFill>
-                  <a:schemeClr val="tx1">
-                    <a:lumMod val="65000"/>
-                    <a:lumOff val="35000"/>
-                  </a:schemeClr>
-                </a:solidFill>
-              </a:rPr>
-              <a:t>Java Desktop Aplikácie (cca </a:t>
-            </a:r>
-            <a:r>
-              <a:rPr lang="en-US" sz="2400" b="1" dirty="0">
-                <a:solidFill>
-                  <a:schemeClr val="tx1">
-                    <a:lumMod val="65000"/>
-                    <a:lumOff val="35000"/>
-                  </a:schemeClr>
-                </a:solidFill>
-              </a:rPr>
-              <a:t>1</a:t>
-            </a:r>
-            <a:r>
-              <a:rPr lang="sk" sz="2400" b="1" dirty="0">
-                <a:solidFill>
-                  <a:schemeClr val="tx1">
-                    <a:lumMod val="65000"/>
-                    <a:lumOff val="35000"/>
-                  </a:schemeClr>
-                </a:solidFill>
-              </a:rPr>
-              <a:t>%)</a:t>
-            </a:r>
-          </a:p>
-          <a:p>
-            <a:pPr marL="457200" lvl="0" indent="-342900" algn="l" rtl="0">
-              <a:lnSpc>
-                <a:spcPct val="115000"/>
-              </a:lnSpc>
-              <a:spcBef>
-                <a:spcPts val="1000"/>
-              </a:spcBef>
-              <a:buClr>
-                <a:srgbClr val="666666"/>
-              </a:buClr>
-              <a:buSzPct val="100000"/>
-              <a:buFont typeface="Arial" panose="020B0604020202020204" pitchFamily="34" charset="0"/>
-              <a:buChar char="•"/>
-            </a:pPr>
-            <a:r>
-              <a:rPr lang="sk" sz="1800" dirty="0">
-                <a:solidFill>
-                  <a:schemeClr val="tx1">
-                    <a:lumMod val="65000"/>
-                    <a:lumOff val="35000"/>
-                  </a:schemeClr>
-                </a:solidFill>
-              </a:rPr>
-              <a:t>desktop aplikácia ~ tučný klient, thick client</a:t>
-            </a:r>
-          </a:p>
-          <a:p>
-            <a:pPr marL="457200" lvl="0" indent="-342900" algn="l" rtl="0">
-              <a:lnSpc>
-                <a:spcPct val="115000"/>
-              </a:lnSpc>
-              <a:spcBef>
-                <a:spcPts val="1000"/>
-              </a:spcBef>
-              <a:buClr>
-                <a:srgbClr val="666666"/>
-              </a:buClr>
-              <a:buSzPct val="100000"/>
-              <a:buFont typeface="Arial" panose="020B0604020202020204" pitchFamily="34" charset="0"/>
-              <a:buChar char="•"/>
-            </a:pPr>
-            <a:r>
-              <a:rPr lang="sk" sz="1800" dirty="0">
-                <a:solidFill>
-                  <a:schemeClr val="tx1">
-                    <a:lumMod val="65000"/>
-                    <a:lumOff val="35000"/>
-                  </a:schemeClr>
-                </a:solidFill>
-              </a:rPr>
-              <a:t>thick client ~ bežné windows aplikácie, príklad: program Eclipse</a:t>
-            </a:r>
-            <a:r>
-              <a:rPr lang="en-US" sz="1800" dirty="0">
-                <a:solidFill>
-                  <a:schemeClr val="tx1">
-                    <a:lumMod val="65000"/>
-                    <a:lumOff val="35000"/>
-                  </a:schemeClr>
-                </a:solidFill>
-              </a:rPr>
-              <a:t> nap</a:t>
-            </a:r>
-            <a:r>
-              <a:rPr lang="sk-SK" sz="1800" dirty="0" err="1">
-                <a:solidFill>
-                  <a:schemeClr val="tx1">
-                    <a:lumMod val="65000"/>
-                    <a:lumOff val="35000"/>
-                  </a:schemeClr>
-                </a:solidFill>
-              </a:rPr>
-              <a:t>ísaný</a:t>
-            </a:r>
-            <a:r>
-              <a:rPr lang="sk-SK" sz="1800" dirty="0">
-                <a:solidFill>
-                  <a:schemeClr val="tx1">
-                    <a:lumMod val="65000"/>
-                    <a:lumOff val="35000"/>
-                  </a:schemeClr>
-                </a:solidFill>
-              </a:rPr>
-              <a:t> v Java</a:t>
-            </a:r>
-          </a:p>
-          <a:p>
-            <a:pPr marL="457200" lvl="0" indent="-342900" algn="l" rtl="0">
-              <a:lnSpc>
-                <a:spcPct val="115000"/>
-              </a:lnSpc>
-              <a:spcBef>
-                <a:spcPts val="1000"/>
-              </a:spcBef>
-              <a:buClr>
-                <a:srgbClr val="666666"/>
-              </a:buClr>
-              <a:buSzPct val="100000"/>
-              <a:buFont typeface="Arial" panose="020B0604020202020204" pitchFamily="34" charset="0"/>
-              <a:buChar char="•"/>
-            </a:pPr>
-            <a:r>
-              <a:rPr lang="sk" sz="1800" dirty="0">
-                <a:solidFill>
-                  <a:schemeClr val="tx1">
-                    <a:lumMod val="65000"/>
-                    <a:lumOff val="35000"/>
-                  </a:schemeClr>
-                </a:solidFill>
-              </a:rPr>
-              <a:t>kód sa vykonáva v počítači užívateľa</a:t>
-            </a:r>
-          </a:p>
-          <a:p>
-            <a:pPr marL="457200" lvl="0" indent="-342900" algn="l" rtl="0">
-              <a:lnSpc>
-                <a:spcPct val="115000"/>
-              </a:lnSpc>
-              <a:spcBef>
-                <a:spcPts val="1000"/>
-              </a:spcBef>
-              <a:buClr>
-                <a:srgbClr val="666666"/>
-              </a:buClr>
-              <a:buSzPct val="100000"/>
-              <a:buFont typeface="Arial" panose="020B0604020202020204" pitchFamily="34" charset="0"/>
-              <a:buChar char="•"/>
-            </a:pPr>
-            <a:r>
-              <a:rPr lang="sk" sz="1800" dirty="0">
-                <a:solidFill>
-                  <a:schemeClr val="tx1">
-                    <a:lumMod val="65000"/>
-                    <a:lumOff val="35000"/>
-                  </a:schemeClr>
-                </a:solidFill>
-              </a:rPr>
-              <a:t>užívateľ musí mať nainštalované JRE - Java Runtime Environment</a:t>
-            </a:r>
-          </a:p>
-          <a:p>
-            <a:pPr lvl="0" rtl="0">
-              <a:lnSpc>
-                <a:spcPct val="115000"/>
-              </a:lnSpc>
-              <a:spcBef>
-                <a:spcPts val="0"/>
-              </a:spcBef>
-              <a:buClr>
-                <a:schemeClr val="dk1"/>
-              </a:buClr>
-              <a:buFont typeface="Arial"/>
-              <a:buNone/>
-            </a:pPr>
-            <a:endParaRPr sz="2400" dirty="0">
-              <a:solidFill>
-                <a:schemeClr val="tx1">
-                  <a:lumMod val="65000"/>
-                  <a:lumOff val="35000"/>
-                </a:schemeClr>
-              </a:solidFill>
-            </a:endParaRPr>
-          </a:p>
-          <a:p>
-            <a:pPr lvl="0" rtl="0">
-              <a:lnSpc>
-                <a:spcPct val="115000"/>
-              </a:lnSpc>
-              <a:spcBef>
-                <a:spcPts val="0"/>
-              </a:spcBef>
-              <a:buClr>
-                <a:schemeClr val="dk1"/>
-              </a:buClr>
-              <a:buFont typeface="Arial"/>
-              <a:buNone/>
-            </a:pPr>
-            <a:endParaRPr sz="2400" b="1" dirty="0">
-              <a:solidFill>
-                <a:schemeClr val="tx1">
-                  <a:lumMod val="65000"/>
-                  <a:lumOff val="35000"/>
-                </a:schemeClr>
-              </a:solidFill>
-            </a:endParaRPr>
-          </a:p>
-          <a:p>
-            <a:pPr lvl="0" rtl="0">
-              <a:lnSpc>
-                <a:spcPct val="115000"/>
-              </a:lnSpc>
-              <a:spcBef>
-                <a:spcPts val="0"/>
-              </a:spcBef>
-              <a:buNone/>
-            </a:pPr>
-            <a:endParaRPr sz="2400" dirty="0">
-              <a:solidFill>
-                <a:schemeClr val="tx1">
-                  <a:lumMod val="65000"/>
-                  <a:lumOff val="35000"/>
-                </a:schemeClr>
-              </a:solidFill>
-            </a:endParaRPr>
-          </a:p>
-        </p:txBody>
-      </p:sp>
-      <p:sp>
-        <p:nvSpPr>
-          <p:cNvPr id="5" name="Zástupný symbol čísla snímky 4"/>
-          <p:cNvSpPr>
-            <a:spLocks noGrp="1"/>
-          </p:cNvSpPr>
-          <p:nvPr>
-            <p:ph type="sldNum" sz="quarter" idx="12"/>
-          </p:nvPr>
-        </p:nvSpPr>
-        <p:spPr/>
-        <p:txBody>
-          <a:bodyPr/>
-          <a:lstStyle/>
-          <a:p>
-            <a:fld id="{7497AAFE-E2E9-4BD8-8F5D-0DCF3CAF0ED9}" type="slidenum">
-              <a:rPr lang="sk-SK" smtClean="0"/>
-              <a:t>11</a:t>
-            </a:fld>
-            <a:endParaRPr lang="sk-SK"/>
-          </a:p>
-        </p:txBody>
-      </p:sp>
-      <p:sp>
-        <p:nvSpPr>
-          <p:cNvPr id="7" name="Shape 45"/>
-          <p:cNvSpPr txBox="1"/>
-          <p:nvPr/>
-        </p:nvSpPr>
-        <p:spPr>
-          <a:xfrm>
-            <a:off x="3237557" y="333455"/>
-            <a:ext cx="2465931" cy="528318"/>
-          </a:xfrm>
-          <a:prstGeom prst="rect">
-            <a:avLst/>
-          </a:prstGeom>
-          <a:noFill/>
-          <a:ln>
-            <a:noFill/>
-          </a:ln>
-        </p:spPr>
-        <p:txBody>
-          <a:bodyPr lIns="91425" tIns="91425" rIns="91425" bIns="91425" anchor="t" anchorCtr="0">
-            <a:noAutofit/>
-          </a:bodyPr>
-          <a:lstStyle/>
-          <a:p>
-            <a:pPr lvl="0" rtl="0">
-              <a:spcBef>
-                <a:spcPts val="0"/>
-              </a:spcBef>
-              <a:buClr>
-                <a:schemeClr val="dk1"/>
-              </a:buClr>
-              <a:buSzPct val="45833"/>
-              <a:buFont typeface="Arial"/>
-              <a:buNone/>
-            </a:pPr>
-            <a:r>
-              <a:rPr lang="sk-SK" sz="2400" b="1" dirty="0">
-                <a:solidFill>
-                  <a:schemeClr val="tx1">
-                    <a:lumMod val="65000"/>
-                    <a:lumOff val="35000"/>
-                  </a:schemeClr>
-                </a:solidFill>
-              </a:rPr>
-              <a:t>VYUŽITIE JAVY</a:t>
-            </a:r>
-            <a:endParaRPr sz="2400" b="1" dirty="0">
-              <a:solidFill>
-                <a:schemeClr val="tx1">
-                  <a:lumMod val="65000"/>
-                  <a:lumOff val="35000"/>
-                </a:schemeClr>
-              </a:solidFill>
-            </a:endParaRPr>
-          </a:p>
-        </p:txBody>
-      </p:sp>
-    </p:spTree>
-    <p:extLst>
-      <p:ext uri="{BB962C8B-B14F-4D97-AF65-F5344CB8AC3E}">
-        <p14:creationId xmlns:p14="http://schemas.microsoft.com/office/powerpoint/2010/main" val="362667335"/>
-      </p:ext>
-    </p:extLst>
-  </p:cSld>
-  <p:clrMapOvr>
-    <a:masterClrMapping/>
-  </p:clrMapOvr>
-  <p:transition spd="slow">
-    <p:cut/>
-  </p:transition>
-</p:sld>
-</file>
-
-<file path=ppt/slides/slide12.xml><?xml version="1.0" encoding="utf-8"?>
-<p:sld xmlns:a="http://schemas.openxmlformats.org/drawingml/2006/main" xmlns:r="http://schemas.openxmlformats.org/officeDocument/2006/relationships" xmlns:p="http://schemas.openxmlformats.org/presentationml/2006/main">
-  <p:cSld>
-    <p:spTree>
-      <p:nvGrpSpPr>
-        <p:cNvPr id="1" name="Shape 49"/>
-        <p:cNvGrpSpPr/>
-        <p:nvPr/>
-      </p:nvGrpSpPr>
-      <p:grpSpPr>
-        <a:xfrm>
-          <a:off x="0" y="0"/>
-          <a:ext cx="0" cy="0"/>
-          <a:chOff x="0" y="0"/>
-          <a:chExt cx="0" cy="0"/>
-        </a:xfrm>
-      </p:grpSpPr>
-      <p:sp>
-        <p:nvSpPr>
-          <p:cNvPr id="51" name="Shape 51"/>
-          <p:cNvSpPr txBox="1"/>
-          <p:nvPr/>
-        </p:nvSpPr>
-        <p:spPr>
-          <a:xfrm>
-            <a:off x="203930" y="861773"/>
-            <a:ext cx="8795344" cy="4179334"/>
-          </a:xfrm>
-          <a:prstGeom prst="rect">
-            <a:avLst/>
-          </a:prstGeom>
-          <a:noFill/>
-          <a:ln>
-            <a:noFill/>
-          </a:ln>
-        </p:spPr>
-        <p:txBody>
-          <a:bodyPr lIns="91425" tIns="91425" rIns="91425" bIns="91425" anchor="t" anchorCtr="0">
-            <a:noAutofit/>
-          </a:bodyPr>
-          <a:lstStyle/>
-          <a:p>
-            <a:pPr lvl="0" algn="l" rtl="0">
-              <a:lnSpc>
-                <a:spcPct val="115000"/>
-              </a:lnSpc>
-              <a:spcBef>
-                <a:spcPts val="0"/>
-              </a:spcBef>
-              <a:buClr>
-                <a:schemeClr val="dk1"/>
-              </a:buClr>
-              <a:buSzPct val="45833"/>
-              <a:buFont typeface="Arial"/>
-              <a:buNone/>
-            </a:pPr>
-            <a:r>
-              <a:rPr lang="sk" sz="2400" b="1" dirty="0">
-                <a:solidFill>
-                  <a:schemeClr val="tx1">
-                    <a:lumMod val="65000"/>
-                    <a:lumOff val="35000"/>
-                  </a:schemeClr>
-                </a:solidFill>
-              </a:rPr>
-              <a:t>Java Server Aplikácie (cca </a:t>
-            </a:r>
-            <a:r>
-              <a:rPr lang="en-US" sz="2400" b="1" dirty="0">
-                <a:solidFill>
-                  <a:schemeClr val="tx1">
-                    <a:lumMod val="65000"/>
-                    <a:lumOff val="35000"/>
-                  </a:schemeClr>
-                </a:solidFill>
-              </a:rPr>
-              <a:t>99</a:t>
-            </a:r>
-            <a:r>
-              <a:rPr lang="sk" sz="2400" b="1" dirty="0">
-                <a:solidFill>
-                  <a:schemeClr val="tx1">
-                    <a:lumMod val="65000"/>
-                    <a:lumOff val="35000"/>
-                  </a:schemeClr>
-                </a:solidFill>
-              </a:rPr>
-              <a:t>%)</a:t>
-            </a:r>
-          </a:p>
-          <a:p>
-            <a:pPr marL="457200" lvl="0" indent="-342900" algn="l" rtl="0">
-              <a:lnSpc>
-                <a:spcPct val="115000"/>
-              </a:lnSpc>
-              <a:spcBef>
-                <a:spcPts val="1000"/>
-              </a:spcBef>
-              <a:buClr>
-                <a:srgbClr val="666666"/>
-              </a:buClr>
-              <a:buSzPct val="100000"/>
-              <a:buFont typeface="Arial" panose="020B0604020202020204" pitchFamily="34" charset="0"/>
-              <a:buChar char="•"/>
-            </a:pPr>
-            <a:r>
-              <a:rPr lang="sk" sz="1800" dirty="0">
-                <a:solidFill>
-                  <a:schemeClr val="tx1">
-                    <a:lumMod val="65000"/>
-                    <a:lumOff val="35000"/>
-                  </a:schemeClr>
-                </a:solidFill>
-              </a:rPr>
-              <a:t>java program sa vykonáva na serveri</a:t>
-            </a:r>
-          </a:p>
-          <a:p>
-            <a:pPr marL="457200" lvl="0" indent="-342900" algn="l" rtl="0">
-              <a:lnSpc>
-                <a:spcPct val="115000"/>
-              </a:lnSpc>
-              <a:spcBef>
-                <a:spcPts val="1000"/>
-              </a:spcBef>
-              <a:buClr>
-                <a:srgbClr val="666666"/>
-              </a:buClr>
-              <a:buSzPct val="100000"/>
-              <a:buFont typeface="Arial" panose="020B0604020202020204" pitchFamily="34" charset="0"/>
-              <a:buChar char="•"/>
-            </a:pPr>
-            <a:r>
-              <a:rPr lang="sk" sz="1800" dirty="0">
-                <a:solidFill>
-                  <a:schemeClr val="tx1">
-                    <a:lumMod val="65000"/>
-                    <a:lumOff val="35000"/>
-                  </a:schemeClr>
-                </a:solidFill>
-              </a:rPr>
-              <a:t>užívateľ na program pristupuje cez webový cez tenkého clienta, thin client</a:t>
-            </a:r>
-          </a:p>
-          <a:p>
-            <a:pPr marL="457200" lvl="0" indent="-342900" algn="l" rtl="0">
-              <a:lnSpc>
-                <a:spcPct val="115000"/>
-              </a:lnSpc>
-              <a:spcBef>
-                <a:spcPts val="1000"/>
-              </a:spcBef>
-              <a:buClr>
-                <a:srgbClr val="666666"/>
-              </a:buClr>
-              <a:buSzPct val="100000"/>
-              <a:buFont typeface="Arial" panose="020B0604020202020204" pitchFamily="34" charset="0"/>
-              <a:buChar char="•"/>
-            </a:pPr>
-            <a:r>
-              <a:rPr lang="sk" sz="1800" dirty="0">
-                <a:solidFill>
-                  <a:schemeClr val="tx1">
-                    <a:lumMod val="65000"/>
-                    <a:lumOff val="35000"/>
-                  </a:schemeClr>
-                </a:solidFill>
-              </a:rPr>
-              <a:t>thin client ~ odľahčená desktop aplikácia alebo webbrowser</a:t>
-            </a:r>
-          </a:p>
-          <a:p>
-            <a:pPr marL="457200" lvl="0" indent="-342900" algn="l" rtl="0">
-              <a:lnSpc>
-                <a:spcPct val="115000"/>
-              </a:lnSpc>
-              <a:spcBef>
-                <a:spcPts val="1000"/>
-              </a:spcBef>
-              <a:buClr>
-                <a:srgbClr val="666666"/>
-              </a:buClr>
-              <a:buSzPct val="100000"/>
-              <a:buFont typeface="Arial" panose="020B0604020202020204" pitchFamily="34" charset="0"/>
-              <a:buChar char="•"/>
-            </a:pPr>
-            <a:r>
-              <a:rPr lang="sk" sz="1800" dirty="0">
-                <a:solidFill>
-                  <a:schemeClr val="tx1">
-                    <a:lumMod val="65000"/>
-                    <a:lumOff val="35000"/>
-                  </a:schemeClr>
-                </a:solidFill>
-              </a:rPr>
-              <a:t>z tenkého klienta sa odosielajú príkazy, požiadavky (requesty) a zobrazuje výsledky</a:t>
-            </a:r>
-          </a:p>
-          <a:p>
-            <a:pPr marL="457200" lvl="0" indent="-342900" algn="l" rtl="0">
-              <a:lnSpc>
-                <a:spcPct val="115000"/>
-              </a:lnSpc>
-              <a:spcBef>
-                <a:spcPts val="1000"/>
-              </a:spcBef>
-              <a:buClr>
-                <a:srgbClr val="666666"/>
-              </a:buClr>
-              <a:buSzPct val="100000"/>
-              <a:buFont typeface="Arial" panose="020B0604020202020204" pitchFamily="34" charset="0"/>
-              <a:buChar char="•"/>
-            </a:pPr>
-            <a:r>
-              <a:rPr lang="sk" sz="1800" dirty="0">
-                <a:solidFill>
-                  <a:schemeClr val="tx1">
-                    <a:lumMod val="65000"/>
-                    <a:lumOff val="35000"/>
-                  </a:schemeClr>
-                </a:solidFill>
-              </a:rPr>
-              <a:t>java program na serveri sa stará o výpočty, spracovanie údajov a odoslanie výsledku späť na klienta</a:t>
-            </a:r>
-          </a:p>
-          <a:p>
-            <a:pPr marL="457200" lvl="0" indent="-342900" algn="l" rtl="0">
-              <a:lnSpc>
-                <a:spcPct val="115000"/>
-              </a:lnSpc>
-              <a:spcBef>
-                <a:spcPts val="1000"/>
-              </a:spcBef>
-              <a:buClr>
-                <a:srgbClr val="666666"/>
-              </a:buClr>
-              <a:buSzPct val="100000"/>
-              <a:buFont typeface="Arial" panose="020B0604020202020204" pitchFamily="34" charset="0"/>
-              <a:buChar char="•"/>
-            </a:pPr>
-            <a:r>
-              <a:rPr lang="sk" sz="1800" dirty="0">
-                <a:solidFill>
-                  <a:schemeClr val="tx1">
-                    <a:lumMod val="65000"/>
-                    <a:lumOff val="35000"/>
-                  </a:schemeClr>
-                </a:solidFill>
-              </a:rPr>
-              <a:t>výsledok (response) je obyčajne vygenerovaná webstránka odoslaná do klientského prehliadača</a:t>
-            </a:r>
-          </a:p>
-          <a:p>
-            <a:pPr lvl="0" rtl="0">
-              <a:lnSpc>
-                <a:spcPct val="115000"/>
-              </a:lnSpc>
-              <a:spcBef>
-                <a:spcPts val="0"/>
-              </a:spcBef>
-              <a:buClr>
-                <a:schemeClr val="dk1"/>
-              </a:buClr>
-              <a:buFont typeface="Arial"/>
-              <a:buNone/>
-            </a:pPr>
-            <a:endParaRPr sz="2400" dirty="0">
-              <a:solidFill>
-                <a:schemeClr val="tx1">
-                  <a:lumMod val="65000"/>
-                  <a:lumOff val="35000"/>
-                </a:schemeClr>
-              </a:solidFill>
-            </a:endParaRPr>
-          </a:p>
-          <a:p>
-            <a:pPr lvl="0" rtl="0">
-              <a:lnSpc>
-                <a:spcPct val="115000"/>
-              </a:lnSpc>
-              <a:spcBef>
-                <a:spcPts val="0"/>
-              </a:spcBef>
-              <a:buClr>
-                <a:schemeClr val="dk1"/>
-              </a:buClr>
-              <a:buFont typeface="Arial"/>
-              <a:buNone/>
-            </a:pPr>
-            <a:endParaRPr sz="2400" b="1" dirty="0">
-              <a:solidFill>
-                <a:schemeClr val="tx1">
-                  <a:lumMod val="65000"/>
-                  <a:lumOff val="35000"/>
-                </a:schemeClr>
-              </a:solidFill>
-            </a:endParaRPr>
-          </a:p>
-          <a:p>
-            <a:pPr lvl="0" rtl="0">
-              <a:lnSpc>
-                <a:spcPct val="115000"/>
-              </a:lnSpc>
-              <a:spcBef>
-                <a:spcPts val="0"/>
-              </a:spcBef>
-              <a:buNone/>
-            </a:pPr>
-            <a:endParaRPr sz="2400" dirty="0">
-              <a:solidFill>
-                <a:schemeClr val="tx1">
-                  <a:lumMod val="65000"/>
-                  <a:lumOff val="35000"/>
-                </a:schemeClr>
-              </a:solidFill>
-            </a:endParaRPr>
-          </a:p>
-        </p:txBody>
-      </p:sp>
-      <p:sp>
-        <p:nvSpPr>
-          <p:cNvPr id="5" name="Zástupný symbol čísla snímky 4"/>
-          <p:cNvSpPr>
-            <a:spLocks noGrp="1"/>
-          </p:cNvSpPr>
-          <p:nvPr>
-            <p:ph type="sldNum" sz="quarter" idx="12"/>
-          </p:nvPr>
-        </p:nvSpPr>
-        <p:spPr/>
-        <p:txBody>
-          <a:bodyPr/>
-          <a:lstStyle/>
-          <a:p>
-            <a:fld id="{7497AAFE-E2E9-4BD8-8F5D-0DCF3CAF0ED9}" type="slidenum">
-              <a:rPr lang="sk-SK" smtClean="0"/>
-              <a:t>12</a:t>
-            </a:fld>
-            <a:endParaRPr lang="sk-SK"/>
-          </a:p>
-        </p:txBody>
-      </p:sp>
-      <p:sp>
-        <p:nvSpPr>
-          <p:cNvPr id="7" name="Shape 45"/>
-          <p:cNvSpPr txBox="1"/>
-          <p:nvPr/>
-        </p:nvSpPr>
-        <p:spPr>
-          <a:xfrm>
-            <a:off x="3237557" y="333455"/>
-            <a:ext cx="2465931" cy="528318"/>
-          </a:xfrm>
-          <a:prstGeom prst="rect">
-            <a:avLst/>
-          </a:prstGeom>
-          <a:noFill/>
-          <a:ln>
-            <a:noFill/>
-          </a:ln>
-        </p:spPr>
-        <p:txBody>
-          <a:bodyPr lIns="91425" tIns="91425" rIns="91425" bIns="91425" anchor="t" anchorCtr="0">
-            <a:noAutofit/>
-          </a:bodyPr>
-          <a:lstStyle/>
-          <a:p>
-            <a:pPr lvl="0" rtl="0">
-              <a:spcBef>
-                <a:spcPts val="0"/>
-              </a:spcBef>
-              <a:buClr>
-                <a:schemeClr val="dk1"/>
-              </a:buClr>
-              <a:buSzPct val="45833"/>
-              <a:buFont typeface="Arial"/>
-              <a:buNone/>
-            </a:pPr>
-            <a:r>
-              <a:rPr lang="sk-SK" sz="2400" b="1" dirty="0">
-                <a:solidFill>
-                  <a:schemeClr val="tx1">
-                    <a:lumMod val="65000"/>
-                    <a:lumOff val="35000"/>
-                  </a:schemeClr>
-                </a:solidFill>
-              </a:rPr>
-              <a:t>VYUŽITIE JAVY</a:t>
-            </a:r>
-            <a:endParaRPr sz="2400" b="1" dirty="0">
-              <a:solidFill>
-                <a:schemeClr val="tx1">
-                  <a:lumMod val="65000"/>
-                  <a:lumOff val="35000"/>
-                </a:schemeClr>
-              </a:solidFill>
-            </a:endParaRPr>
-          </a:p>
-        </p:txBody>
-      </p:sp>
-    </p:spTree>
-    <p:extLst>
-      <p:ext uri="{BB962C8B-B14F-4D97-AF65-F5344CB8AC3E}">
-        <p14:creationId xmlns:p14="http://schemas.microsoft.com/office/powerpoint/2010/main" val="2309044770"/>
-      </p:ext>
-    </p:extLst>
-  </p:cSld>
-  <p:clrMapOvr>
-    <a:masterClrMapping/>
-  </p:clrMapOvr>
-  <p:transition spd="slow">
-    <p:cut/>
-  </p:transition>
-</p:sld>
-</file>
-
-<file path=ppt/slides/slide13.xml><?xml version="1.0" encoding="utf-8"?>
-<p:sld xmlns:a="http://schemas.openxmlformats.org/drawingml/2006/main" xmlns:r="http://schemas.openxmlformats.org/officeDocument/2006/relationships" xmlns:p="http://schemas.openxmlformats.org/presentationml/2006/main">
-  <p:cSld>
-    <p:spTree>
-      <p:nvGrpSpPr>
-        <p:cNvPr id="1" name="Shape 67"/>
-        <p:cNvGrpSpPr/>
-        <p:nvPr/>
-      </p:nvGrpSpPr>
-      <p:grpSpPr>
-        <a:xfrm>
-          <a:off x="0" y="0"/>
-          <a:ext cx="0" cy="0"/>
-          <a:chOff x="0" y="0"/>
-          <a:chExt cx="0" cy="0"/>
-        </a:xfrm>
-      </p:grpSpPr>
-      <p:sp>
-        <p:nvSpPr>
-          <p:cNvPr id="69" name="Shape 69"/>
-          <p:cNvSpPr txBox="1"/>
-          <p:nvPr/>
-        </p:nvSpPr>
-        <p:spPr>
-          <a:xfrm>
-            <a:off x="1269636" y="982429"/>
-            <a:ext cx="6956390" cy="3664178"/>
-          </a:xfrm>
-          <a:prstGeom prst="rect">
-            <a:avLst/>
-          </a:prstGeom>
-          <a:noFill/>
-          <a:ln>
-            <a:noFill/>
-          </a:ln>
-        </p:spPr>
-        <p:txBody>
-          <a:bodyPr lIns="91425" tIns="91425" rIns="91425" bIns="91425" anchor="t" anchorCtr="0">
-            <a:noAutofit/>
-          </a:bodyPr>
-          <a:lstStyle/>
-          <a:p>
-            <a:pPr marL="76200" lvl="0" rtl="0">
-              <a:lnSpc>
-                <a:spcPct val="115000"/>
-              </a:lnSpc>
-              <a:spcBef>
-                <a:spcPts val="0"/>
-              </a:spcBef>
-              <a:buClr>
-                <a:srgbClr val="666666"/>
-              </a:buClr>
-              <a:buSzPct val="100000"/>
-            </a:pPr>
-            <a:r>
-              <a:rPr lang="sk" sz="2400" dirty="0">
-                <a:solidFill>
-                  <a:srgbClr val="666666"/>
-                </a:solidFill>
-              </a:rPr>
-              <a:t>Gmail, Ebay, PayPal, ...</a:t>
-            </a:r>
-          </a:p>
-        </p:txBody>
-      </p:sp>
-      <p:pic>
-        <p:nvPicPr>
-          <p:cNvPr id="70" name="Shape 70"/>
-          <p:cNvPicPr preferRelativeResize="0"/>
-          <p:nvPr/>
-        </p:nvPicPr>
-        <p:blipFill>
-          <a:blip r:embed="rId3">
-            <a:alphaModFix/>
-          </a:blip>
-          <a:stretch>
-            <a:fillRect/>
-          </a:stretch>
-        </p:blipFill>
-        <p:spPr>
-          <a:xfrm>
-            <a:off x="1484256" y="1690018"/>
-            <a:ext cx="5923042" cy="2526747"/>
-          </a:xfrm>
-          <a:prstGeom prst="rect">
-            <a:avLst/>
-          </a:prstGeom>
-          <a:noFill/>
-          <a:ln>
-            <a:noFill/>
-          </a:ln>
-        </p:spPr>
-      </p:pic>
-      <p:sp>
-        <p:nvSpPr>
-          <p:cNvPr id="4" name="Zástupný symbol čísla snímky 3"/>
-          <p:cNvSpPr>
-            <a:spLocks noGrp="1"/>
-          </p:cNvSpPr>
-          <p:nvPr>
-            <p:ph type="sldNum" sz="quarter" idx="12"/>
-          </p:nvPr>
-        </p:nvSpPr>
-        <p:spPr/>
-        <p:txBody>
-          <a:bodyPr/>
-          <a:lstStyle/>
-          <a:p>
-            <a:fld id="{7497AAFE-E2E9-4BD8-8F5D-0DCF3CAF0ED9}" type="slidenum">
-              <a:rPr lang="sk-SK" smtClean="0"/>
-              <a:t>13</a:t>
-            </a:fld>
-            <a:endParaRPr lang="sk-SK"/>
-          </a:p>
-        </p:txBody>
-      </p:sp>
-      <p:sp>
-        <p:nvSpPr>
-          <p:cNvPr id="5" name="Shape 45"/>
-          <p:cNvSpPr txBox="1"/>
-          <p:nvPr/>
-        </p:nvSpPr>
-        <p:spPr>
-          <a:xfrm>
-            <a:off x="1269636" y="333455"/>
-            <a:ext cx="6644201" cy="528318"/>
-          </a:xfrm>
-          <a:prstGeom prst="rect">
-            <a:avLst/>
-          </a:prstGeom>
-          <a:noFill/>
-          <a:ln>
-            <a:noFill/>
-          </a:ln>
-        </p:spPr>
-        <p:txBody>
-          <a:bodyPr lIns="91425" tIns="91425" rIns="91425" bIns="91425" anchor="t" anchorCtr="0">
-            <a:noAutofit/>
-          </a:bodyPr>
-          <a:lstStyle/>
-          <a:p>
-            <a:pPr lvl="0">
-              <a:lnSpc>
-                <a:spcPct val="115000"/>
-              </a:lnSpc>
-              <a:buClr>
-                <a:schemeClr val="dk1"/>
-              </a:buClr>
-              <a:buSzPct val="45833"/>
-            </a:pPr>
-            <a:r>
-              <a:rPr lang="sk" sz="2400" b="1" dirty="0">
-                <a:solidFill>
-                  <a:schemeClr val="tx1">
-                    <a:lumMod val="65000"/>
-                    <a:lumOff val="35000"/>
-                  </a:schemeClr>
-                </a:solidFill>
-              </a:rPr>
-              <a:t>PRÍKLADY APLIKÁCIÍ NAPÍSANÝCH V JAVA</a:t>
-            </a:r>
-          </a:p>
-        </p:txBody>
-      </p:sp>
-    </p:spTree>
-  </p:cSld>
-  <p:clrMapOvr>
-    <a:masterClrMapping/>
-  </p:clrMapOvr>
-  <p:transition spd="slow">
-    <p:cut/>
-  </p:transition>
-</p:sld>
-</file>
-
-<file path=ppt/slides/slide14.xml><?xml version="1.0" encoding="utf-8"?>
-<p:sld xmlns:a="http://schemas.openxmlformats.org/drawingml/2006/main" xmlns:r="http://schemas.openxmlformats.org/officeDocument/2006/relationships" xmlns:p="http://schemas.openxmlformats.org/presentationml/2006/main">
-  <p:cSld>
-    <p:spTree>
-      <p:nvGrpSpPr>
-        <p:cNvPr id="1" name="Shape 108"/>
-        <p:cNvGrpSpPr/>
-        <p:nvPr/>
-      </p:nvGrpSpPr>
-      <p:grpSpPr>
-        <a:xfrm>
-          <a:off x="0" y="0"/>
-          <a:ext cx="0" cy="0"/>
-          <a:chOff x="0" y="0"/>
-          <a:chExt cx="0" cy="0"/>
-        </a:xfrm>
-      </p:grpSpPr>
-      <p:sp>
-        <p:nvSpPr>
-          <p:cNvPr id="110" name="Shape 110"/>
-          <p:cNvSpPr txBox="1"/>
-          <p:nvPr/>
-        </p:nvSpPr>
-        <p:spPr>
-          <a:xfrm>
-            <a:off x="1312681" y="1072282"/>
-            <a:ext cx="6450000" cy="3251957"/>
-          </a:xfrm>
-          <a:prstGeom prst="rect">
-            <a:avLst/>
-          </a:prstGeom>
-          <a:noFill/>
-          <a:ln>
-            <a:noFill/>
-          </a:ln>
-        </p:spPr>
-        <p:txBody>
-          <a:bodyPr lIns="91425" tIns="91425" rIns="91425" bIns="91425" anchor="t" anchorCtr="0">
-            <a:noAutofit/>
-          </a:bodyPr>
-          <a:lstStyle/>
-          <a:p>
-            <a:pPr marL="457200" lvl="0" indent="-342900" rtl="0">
-              <a:lnSpc>
-                <a:spcPct val="115000"/>
-              </a:lnSpc>
-              <a:spcBef>
-                <a:spcPts val="1000"/>
-              </a:spcBef>
-              <a:buClr>
-                <a:srgbClr val="666666"/>
-              </a:buClr>
-              <a:buSzPct val="100000"/>
-              <a:buFont typeface="Arial" panose="020B0604020202020204" pitchFamily="34" charset="0"/>
-              <a:buChar char="•"/>
-            </a:pPr>
-            <a:r>
-              <a:rPr lang="sk" sz="1800" dirty="0">
-                <a:solidFill>
-                  <a:schemeClr val="tx1">
-                    <a:lumMod val="65000"/>
-                    <a:lumOff val="35000"/>
-                  </a:schemeClr>
-                </a:solidFill>
-              </a:rPr>
-              <a:t>Stiahnúť JDK (Java Development Kit)</a:t>
-            </a:r>
-            <a:br>
-              <a:rPr lang="sk" sz="1800" dirty="0">
-                <a:solidFill>
-                  <a:schemeClr val="tx1">
-                    <a:lumMod val="65000"/>
-                    <a:lumOff val="35000"/>
-                  </a:schemeClr>
-                </a:solidFill>
-              </a:rPr>
-            </a:br>
-            <a:r>
-              <a:rPr lang="sk" sz="1800" dirty="0">
-                <a:solidFill>
-                  <a:schemeClr val="tx1">
-                    <a:lumMod val="65000"/>
-                    <a:lumOff val="35000"/>
-                  </a:schemeClr>
-                </a:solidFill>
-              </a:rPr>
-              <a:t>napr. do vyhľadávača zadať </a:t>
-            </a:r>
-            <a:r>
-              <a:rPr lang="en-US" sz="1800" dirty="0">
-                <a:solidFill>
-                  <a:schemeClr val="tx1">
-                    <a:lumMod val="65000"/>
-                    <a:lumOff val="35000"/>
-                  </a:schemeClr>
-                </a:solidFill>
-              </a:rPr>
-              <a:t>“</a:t>
-            </a:r>
-            <a:r>
-              <a:rPr lang="sk" sz="1800" dirty="0">
-                <a:solidFill>
-                  <a:schemeClr val="tx1">
-                    <a:lumMod val="65000"/>
-                    <a:lumOff val="35000"/>
-                  </a:schemeClr>
-                </a:solidFill>
-              </a:rPr>
-              <a:t>java jdk download</a:t>
-            </a:r>
-            <a:r>
-              <a:rPr lang="en-US" sz="1800" dirty="0">
-                <a:solidFill>
-                  <a:schemeClr val="tx1">
-                    <a:lumMod val="65000"/>
-                    <a:lumOff val="35000"/>
-                  </a:schemeClr>
-                </a:solidFill>
-              </a:rPr>
-              <a:t>”</a:t>
-            </a:r>
-          </a:p>
-          <a:p>
-            <a:pPr marL="457200" lvl="0" indent="-342900" rtl="0">
-              <a:lnSpc>
-                <a:spcPct val="115000"/>
-              </a:lnSpc>
-              <a:spcBef>
-                <a:spcPts val="1000"/>
-              </a:spcBef>
-              <a:buClr>
-                <a:srgbClr val="666666"/>
-              </a:buClr>
-              <a:buSzPct val="100000"/>
-              <a:buFont typeface="Arial" panose="020B0604020202020204" pitchFamily="34" charset="0"/>
-              <a:buChar char="•"/>
-            </a:pPr>
-            <a:r>
-              <a:rPr lang="sk" sz="1800" dirty="0">
-                <a:solidFill>
-                  <a:schemeClr val="tx1">
-                    <a:lumMod val="65000"/>
-                    <a:lumOff val="35000"/>
-                  </a:schemeClr>
-                </a:solidFill>
-              </a:rPr>
-              <a:t>Stiahnúť vývojové prostredie</a:t>
-            </a:r>
-            <a:br>
-              <a:rPr lang="sk" sz="1800" dirty="0">
-                <a:solidFill>
-                  <a:schemeClr val="tx1">
-                    <a:lumMod val="65000"/>
-                    <a:lumOff val="35000"/>
-                  </a:schemeClr>
-                </a:solidFill>
-              </a:rPr>
-            </a:br>
-            <a:r>
-              <a:rPr lang="sk" sz="1800" dirty="0">
-                <a:solidFill>
-                  <a:schemeClr val="tx1">
-                    <a:lumMod val="65000"/>
-                    <a:lumOff val="35000"/>
-                  </a:schemeClr>
-                </a:solidFill>
-              </a:rPr>
-              <a:t>napr. na </a:t>
-            </a:r>
-            <a:r>
-              <a:rPr lang="en-US" sz="1800" dirty="0" err="1">
-                <a:solidFill>
-                  <a:schemeClr val="tx1">
-                    <a:lumMod val="65000"/>
-                    <a:lumOff val="35000"/>
-                  </a:schemeClr>
-                </a:solidFill>
-              </a:rPr>
-              <a:t>adrese</a:t>
-            </a:r>
-            <a:r>
-              <a:rPr lang="en-US" sz="1800" dirty="0">
-                <a:solidFill>
-                  <a:schemeClr val="tx1">
-                    <a:lumMod val="65000"/>
-                    <a:lumOff val="35000"/>
-                  </a:schemeClr>
-                </a:solidFill>
-              </a:rPr>
-              <a:t> </a:t>
-            </a:r>
-            <a:r>
-              <a:rPr lang="sk" sz="1800" u="sng" dirty="0">
-                <a:solidFill>
-                  <a:schemeClr val="tx1">
-                    <a:lumMod val="65000"/>
-                    <a:lumOff val="35000"/>
-                  </a:schemeClr>
-                </a:solidFill>
-                <a:hlinkClick r:id="rId3"/>
-              </a:rPr>
-              <a:t>www.eclipse.org/downloads</a:t>
-            </a:r>
-            <a:endParaRPr lang="sk" sz="1800" dirty="0">
-              <a:solidFill>
-                <a:schemeClr val="tx1">
-                  <a:lumMod val="65000"/>
-                  <a:lumOff val="35000"/>
-                </a:schemeClr>
-              </a:solidFill>
-            </a:endParaRPr>
-          </a:p>
-        </p:txBody>
-      </p:sp>
-      <p:sp>
-        <p:nvSpPr>
-          <p:cNvPr id="5" name="Zástupný symbol čísla snímky 4"/>
-          <p:cNvSpPr>
-            <a:spLocks noGrp="1"/>
-          </p:cNvSpPr>
-          <p:nvPr>
-            <p:ph type="sldNum" sz="quarter" idx="12"/>
-          </p:nvPr>
-        </p:nvSpPr>
-        <p:spPr/>
-        <p:txBody>
-          <a:bodyPr/>
-          <a:lstStyle/>
-          <a:p>
-            <a:fld id="{7497AAFE-E2E9-4BD8-8F5D-0DCF3CAF0ED9}" type="slidenum">
-              <a:rPr lang="sk-SK" smtClean="0"/>
-              <a:t>14</a:t>
-            </a:fld>
-            <a:endParaRPr lang="sk-SK"/>
-          </a:p>
-        </p:txBody>
-      </p:sp>
-      <p:sp>
-        <p:nvSpPr>
-          <p:cNvPr id="4" name="Shape 45"/>
-          <p:cNvSpPr txBox="1"/>
-          <p:nvPr/>
-        </p:nvSpPr>
-        <p:spPr>
-          <a:xfrm>
-            <a:off x="1312681" y="300563"/>
-            <a:ext cx="6644201" cy="528318"/>
-          </a:xfrm>
-          <a:prstGeom prst="rect">
-            <a:avLst/>
-          </a:prstGeom>
-          <a:noFill/>
-          <a:ln>
-            <a:noFill/>
-          </a:ln>
-        </p:spPr>
-        <p:txBody>
-          <a:bodyPr lIns="91425" tIns="91425" rIns="91425" bIns="91425" anchor="t" anchorCtr="0">
-            <a:noAutofit/>
-          </a:bodyPr>
-          <a:lstStyle/>
-          <a:p>
-            <a:pPr lvl="0" algn="ctr">
-              <a:lnSpc>
-                <a:spcPct val="115000"/>
-              </a:lnSpc>
-            </a:pPr>
-            <a:r>
-              <a:rPr lang="sk" sz="2400" b="1" dirty="0">
-                <a:solidFill>
-                  <a:schemeClr val="tx1">
-                    <a:lumMod val="65000"/>
-                    <a:lumOff val="35000"/>
-                  </a:schemeClr>
-                </a:solidFill>
-              </a:rPr>
-              <a:t>INŠTALÁCIA JAVY PRE VÝVOJ APLIKÁCIÍ</a:t>
-            </a:r>
-          </a:p>
-        </p:txBody>
-      </p:sp>
-    </p:spTree>
-  </p:cSld>
-  <p:clrMapOvr>
-    <a:masterClrMapping/>
-  </p:clrMapOvr>
-  <p:transition spd="slow">
-    <p:cut/>
-  </p:transition>
-</p:sld>
-</file>
-
-<file path=ppt/slides/slide15.xml><?xml version="1.0" encoding="utf-8"?>
-<p:sld xmlns:a="http://schemas.openxmlformats.org/drawingml/2006/main" xmlns:r="http://schemas.openxmlformats.org/officeDocument/2006/relationships" xmlns:p="http://schemas.openxmlformats.org/presentationml/2006/main">
-  <p:cSld>
-    <p:spTree>
-      <p:nvGrpSpPr>
-        <p:cNvPr id="1" name="Shape 132"/>
-        <p:cNvGrpSpPr/>
-        <p:nvPr/>
-      </p:nvGrpSpPr>
-      <p:grpSpPr>
-        <a:xfrm>
-          <a:off x="0" y="0"/>
-          <a:ext cx="0" cy="0"/>
-          <a:chOff x="0" y="0"/>
-          <a:chExt cx="0" cy="0"/>
-        </a:xfrm>
-      </p:grpSpPr>
-      <p:sp>
-        <p:nvSpPr>
-          <p:cNvPr id="134" name="Shape 134"/>
-          <p:cNvSpPr txBox="1"/>
-          <p:nvPr/>
-        </p:nvSpPr>
-        <p:spPr>
-          <a:xfrm>
-            <a:off x="1378465" y="273020"/>
-            <a:ext cx="6450000" cy="911999"/>
-          </a:xfrm>
-          <a:prstGeom prst="rect">
-            <a:avLst/>
-          </a:prstGeom>
-          <a:noFill/>
-          <a:ln>
-            <a:noFill/>
-          </a:ln>
-        </p:spPr>
-        <p:txBody>
-          <a:bodyPr lIns="91425" tIns="91425" rIns="91425" bIns="91425" anchor="t" anchorCtr="0">
-            <a:noAutofit/>
-          </a:bodyPr>
-          <a:lstStyle/>
-          <a:p>
-            <a:pPr lvl="0" algn="ctr" rtl="0">
-              <a:spcBef>
-                <a:spcPts val="0"/>
-              </a:spcBef>
-              <a:buNone/>
-            </a:pPr>
-            <a:r>
-              <a:rPr lang="sk" sz="2400" b="1" dirty="0">
-                <a:solidFill>
-                  <a:schemeClr val="tx1">
-                    <a:lumMod val="65000"/>
-                    <a:lumOff val="35000"/>
-                  </a:schemeClr>
-                </a:solidFill>
-              </a:rPr>
-              <a:t>VYTVORENIE PROJEKTU, VYTVORENIE PACKAGE, VYTVORENIE CLASS</a:t>
-            </a:r>
-          </a:p>
-        </p:txBody>
-      </p:sp>
-      <p:pic>
-        <p:nvPicPr>
-          <p:cNvPr id="135" name="Shape 135"/>
-          <p:cNvPicPr preferRelativeResize="0"/>
-          <p:nvPr/>
-        </p:nvPicPr>
-        <p:blipFill>
-          <a:blip r:embed="rId3">
-            <a:alphaModFix/>
-          </a:blip>
-          <a:stretch>
-            <a:fillRect/>
-          </a:stretch>
-        </p:blipFill>
-        <p:spPr>
-          <a:xfrm>
-            <a:off x="1328218" y="1474470"/>
-            <a:ext cx="6354275" cy="3076061"/>
-          </a:xfrm>
-          <a:prstGeom prst="rect">
-            <a:avLst/>
-          </a:prstGeom>
-          <a:noFill/>
-          <a:ln>
-            <a:noFill/>
-          </a:ln>
-        </p:spPr>
-      </p:pic>
-      <p:sp>
-        <p:nvSpPr>
-          <p:cNvPr id="4" name="Zástupný symbol čísla snímky 3"/>
-          <p:cNvSpPr>
-            <a:spLocks noGrp="1"/>
-          </p:cNvSpPr>
-          <p:nvPr>
-            <p:ph type="sldNum" sz="quarter" idx="12"/>
-          </p:nvPr>
-        </p:nvSpPr>
-        <p:spPr/>
-        <p:txBody>
-          <a:bodyPr/>
-          <a:lstStyle/>
-          <a:p>
-            <a:fld id="{7497AAFE-E2E9-4BD8-8F5D-0DCF3CAF0ED9}" type="slidenum">
-              <a:rPr lang="sk-SK" smtClean="0"/>
-              <a:t>15</a:t>
-            </a:fld>
-            <a:endParaRPr lang="sk-SK"/>
-          </a:p>
-        </p:txBody>
-      </p:sp>
-    </p:spTree>
-  </p:cSld>
-  <p:clrMapOvr>
-    <a:masterClrMapping/>
-  </p:clrMapOvr>
-  <p:transition spd="slow">
-    <p:cut/>
-  </p:transition>
-</p:sld>
-</file>
-
-<file path=ppt/slides/slide16.xml><?xml version="1.0" encoding="utf-8"?>
-<p:sld xmlns:a="http://schemas.openxmlformats.org/drawingml/2006/main" xmlns:r="http://schemas.openxmlformats.org/officeDocument/2006/relationships" xmlns:p="http://schemas.openxmlformats.org/presentationml/2006/main">
-  <p:cSld>
-    <p:spTree>
-      <p:nvGrpSpPr>
-        <p:cNvPr id="1" name="Shape 139"/>
-        <p:cNvGrpSpPr/>
-        <p:nvPr/>
-      </p:nvGrpSpPr>
-      <p:grpSpPr>
-        <a:xfrm>
-          <a:off x="0" y="0"/>
-          <a:ext cx="0" cy="0"/>
-          <a:chOff x="0" y="0"/>
-          <a:chExt cx="0" cy="0"/>
-        </a:xfrm>
-      </p:grpSpPr>
-      <p:sp>
-        <p:nvSpPr>
-          <p:cNvPr id="5" name="Zástupný symbol čísla snímky 4"/>
-          <p:cNvSpPr>
-            <a:spLocks noGrp="1"/>
-          </p:cNvSpPr>
-          <p:nvPr>
-            <p:ph type="sldNum" sz="quarter" idx="12"/>
-          </p:nvPr>
-        </p:nvSpPr>
-        <p:spPr/>
-        <p:txBody>
-          <a:bodyPr/>
-          <a:lstStyle/>
-          <a:p>
-            <a:fld id="{7497AAFE-E2E9-4BD8-8F5D-0DCF3CAF0ED9}" type="slidenum">
-              <a:rPr lang="sk-SK" smtClean="0"/>
-              <a:t>16</a:t>
-            </a:fld>
-            <a:endParaRPr lang="sk-SK"/>
-          </a:p>
-        </p:txBody>
-      </p:sp>
-      <p:sp>
-        <p:nvSpPr>
-          <p:cNvPr id="4" name="Shape 134"/>
-          <p:cNvSpPr txBox="1"/>
-          <p:nvPr/>
-        </p:nvSpPr>
-        <p:spPr>
-          <a:xfrm>
-            <a:off x="914400" y="268907"/>
-            <a:ext cx="7025750" cy="506538"/>
-          </a:xfrm>
-          <a:prstGeom prst="rect">
-            <a:avLst/>
-          </a:prstGeom>
-          <a:noFill/>
-          <a:ln>
-            <a:noFill/>
-          </a:ln>
-        </p:spPr>
-        <p:txBody>
-          <a:bodyPr lIns="91425" tIns="91425" rIns="91425" bIns="91425" anchor="t" anchorCtr="0">
-            <a:noAutofit/>
-          </a:bodyPr>
-          <a:lstStyle/>
-          <a:p>
-            <a:pPr lvl="0" algn="ctr" rtl="0">
-              <a:spcBef>
-                <a:spcPts val="0"/>
-              </a:spcBef>
-              <a:buNone/>
-            </a:pPr>
-            <a:r>
-              <a:rPr lang="sk" sz="2000" b="1" dirty="0">
-                <a:solidFill>
-                  <a:schemeClr val="tx1">
-                    <a:lumMod val="65000"/>
-                    <a:lumOff val="35000"/>
-                  </a:schemeClr>
-                </a:solidFill>
-              </a:rPr>
-              <a:t>VYTVORENIE </a:t>
-            </a:r>
-            <a:r>
-              <a:rPr lang="en-US" sz="2000" b="1" dirty="0">
-                <a:solidFill>
-                  <a:schemeClr val="tx1">
-                    <a:lumMod val="65000"/>
-                    <a:lumOff val="35000"/>
-                  </a:schemeClr>
-                </a:solidFill>
-              </a:rPr>
-              <a:t>JEDNODUCHEJ </a:t>
-            </a:r>
-            <a:r>
-              <a:rPr lang="sk" sz="2000" b="1" dirty="0">
-                <a:solidFill>
-                  <a:schemeClr val="tx1">
-                    <a:lumMod val="65000"/>
-                    <a:lumOff val="35000"/>
-                  </a:schemeClr>
-                </a:solidFill>
-              </a:rPr>
-              <a:t>GRAFICKEJ APLIKÁCIE</a:t>
-            </a:r>
-          </a:p>
-        </p:txBody>
-      </p:sp>
-      <p:pic>
-        <p:nvPicPr>
-          <p:cNvPr id="2" name="Obrázok 1"/>
-          <p:cNvPicPr>
-            <a:picLocks noChangeAspect="1"/>
-          </p:cNvPicPr>
-          <p:nvPr/>
-        </p:nvPicPr>
-        <p:blipFill>
-          <a:blip r:embed="rId3"/>
-          <a:stretch>
-            <a:fillRect/>
-          </a:stretch>
-        </p:blipFill>
-        <p:spPr>
-          <a:xfrm>
-            <a:off x="1979053" y="927472"/>
-            <a:ext cx="4896444" cy="3687763"/>
-          </a:xfrm>
-          <a:prstGeom prst="rect">
-            <a:avLst/>
-          </a:prstGeom>
-        </p:spPr>
-      </p:pic>
-    </p:spTree>
-  </p:cSld>
-  <p:clrMapOvr>
-    <a:masterClrMapping/>
-  </p:clrMapOvr>
-  <p:transition spd="slow">
-    <p:cut/>
-  </p:transition>
-</p:sld>
-</file>
-
-<file path=ppt/slides/slide17.xml><?xml version="1.0" encoding="utf-8"?>
-<p:sld xmlns:a="http://schemas.openxmlformats.org/drawingml/2006/main" xmlns:r="http://schemas.openxmlformats.org/officeDocument/2006/relationships" xmlns:p="http://schemas.openxmlformats.org/presentationml/2006/main">
-  <p:cSld>
-    <p:spTree>
-      <p:nvGrpSpPr>
-        <p:cNvPr id="1" name="Shape 145"/>
-        <p:cNvGrpSpPr/>
-        <p:nvPr/>
-      </p:nvGrpSpPr>
-      <p:grpSpPr>
-        <a:xfrm>
-          <a:off x="0" y="0"/>
-          <a:ext cx="0" cy="0"/>
-          <a:chOff x="0" y="0"/>
-          <a:chExt cx="0" cy="0"/>
-        </a:xfrm>
-      </p:grpSpPr>
-      <p:pic>
-        <p:nvPicPr>
-          <p:cNvPr id="146" name="Shape 146"/>
-          <p:cNvPicPr preferRelativeResize="0"/>
-          <p:nvPr/>
-        </p:nvPicPr>
-        <p:blipFill>
-          <a:blip r:embed="rId3">
-            <a:alphaModFix/>
-          </a:blip>
-          <a:stretch>
-            <a:fillRect/>
-          </a:stretch>
-        </p:blipFill>
-        <p:spPr>
-          <a:xfrm>
-            <a:off x="1190664" y="1499774"/>
-            <a:ext cx="4115499" cy="1816800"/>
-          </a:xfrm>
-          <a:prstGeom prst="rect">
-            <a:avLst/>
-          </a:prstGeom>
-          <a:noFill/>
-          <a:ln>
-            <a:noFill/>
-          </a:ln>
-        </p:spPr>
-      </p:pic>
-      <p:sp>
-        <p:nvSpPr>
-          <p:cNvPr id="148" name="Shape 148"/>
-          <p:cNvSpPr txBox="1"/>
-          <p:nvPr/>
-        </p:nvSpPr>
-        <p:spPr>
-          <a:xfrm>
-            <a:off x="973606" y="947292"/>
-            <a:ext cx="4223343" cy="3743120"/>
-          </a:xfrm>
-          <a:prstGeom prst="rect">
-            <a:avLst/>
-          </a:prstGeom>
-          <a:noFill/>
-          <a:ln>
-            <a:noFill/>
-          </a:ln>
-        </p:spPr>
-        <p:txBody>
-          <a:bodyPr lIns="91425" tIns="91425" rIns="91425" bIns="91425" anchor="t" anchorCtr="0">
-            <a:noAutofit/>
-          </a:bodyPr>
-          <a:lstStyle/>
-          <a:p>
-            <a:pPr marL="457200" lvl="0" indent="-342900" rtl="0">
-              <a:spcBef>
-                <a:spcPts val="0"/>
-              </a:spcBef>
-              <a:buClr>
-                <a:srgbClr val="666666"/>
-              </a:buClr>
-              <a:buSzPct val="100000"/>
-              <a:buChar char="●"/>
-            </a:pPr>
-            <a:r>
-              <a:rPr lang="sk" sz="1800" dirty="0">
-                <a:solidFill>
-                  <a:schemeClr val="tx1">
-                    <a:lumMod val="65000"/>
-                    <a:lumOff val="35000"/>
-                  </a:schemeClr>
-                </a:solidFill>
-              </a:rPr>
-              <a:t>z prostredia eclipse</a:t>
-            </a:r>
-          </a:p>
-          <a:p>
-            <a:pPr rtl="0">
-              <a:spcBef>
-                <a:spcPts val="1000"/>
-              </a:spcBef>
-              <a:buNone/>
-            </a:pPr>
-            <a:endParaRPr sz="1800" dirty="0">
-              <a:solidFill>
-                <a:schemeClr val="tx1">
-                  <a:lumMod val="65000"/>
-                  <a:lumOff val="35000"/>
-                </a:schemeClr>
-              </a:solidFill>
-            </a:endParaRPr>
-          </a:p>
-          <a:p>
-            <a:pPr rtl="0">
-              <a:spcBef>
-                <a:spcPts val="1000"/>
-              </a:spcBef>
-              <a:buNone/>
-            </a:pPr>
-            <a:endParaRPr sz="1800" dirty="0">
-              <a:solidFill>
-                <a:schemeClr val="tx1">
-                  <a:lumMod val="65000"/>
-                  <a:lumOff val="35000"/>
-                </a:schemeClr>
-              </a:solidFill>
-            </a:endParaRPr>
-          </a:p>
-          <a:p>
-            <a:pPr rtl="0">
-              <a:spcBef>
-                <a:spcPts val="1000"/>
-              </a:spcBef>
-              <a:buNone/>
-            </a:pPr>
-            <a:endParaRPr sz="1800" dirty="0">
-              <a:solidFill>
-                <a:schemeClr val="tx1">
-                  <a:lumMod val="65000"/>
-                  <a:lumOff val="35000"/>
-                </a:schemeClr>
-              </a:solidFill>
-            </a:endParaRPr>
-          </a:p>
-          <a:p>
-            <a:pPr rtl="0">
-              <a:spcBef>
-                <a:spcPts val="1000"/>
-              </a:spcBef>
-              <a:buNone/>
-            </a:pPr>
-            <a:endParaRPr sz="1800" dirty="0">
-              <a:solidFill>
-                <a:schemeClr val="tx1">
-                  <a:lumMod val="65000"/>
-                  <a:lumOff val="35000"/>
-                </a:schemeClr>
-              </a:solidFill>
-            </a:endParaRPr>
-          </a:p>
-          <a:p>
-            <a:pPr lvl="0" rtl="0">
-              <a:spcBef>
-                <a:spcPts val="1000"/>
-              </a:spcBef>
-              <a:buNone/>
-            </a:pPr>
-            <a:endParaRPr sz="1800" dirty="0">
-              <a:solidFill>
-                <a:schemeClr val="tx1">
-                  <a:lumMod val="65000"/>
-                  <a:lumOff val="35000"/>
-                </a:schemeClr>
-              </a:solidFill>
-            </a:endParaRPr>
-          </a:p>
-          <a:p>
-            <a:pPr marL="457200" lvl="0" indent="-342900" rtl="0">
-              <a:spcBef>
-                <a:spcPts val="1000"/>
-              </a:spcBef>
-              <a:buClr>
-                <a:srgbClr val="666666"/>
-              </a:buClr>
-              <a:buSzPct val="100000"/>
-              <a:buChar char="●"/>
-            </a:pPr>
-            <a:endParaRPr lang="sk" sz="1800" dirty="0">
-              <a:solidFill>
-                <a:schemeClr val="tx1">
-                  <a:lumMod val="65000"/>
-                  <a:lumOff val="35000"/>
-                </a:schemeClr>
-              </a:solidFill>
-            </a:endParaRPr>
-          </a:p>
-          <a:p>
-            <a:pPr marL="457200" lvl="0" indent="-342900" rtl="0">
-              <a:spcBef>
-                <a:spcPts val="1000"/>
-              </a:spcBef>
-              <a:buClr>
-                <a:srgbClr val="666666"/>
-              </a:buClr>
-              <a:buSzPct val="100000"/>
-              <a:buChar char="●"/>
-            </a:pPr>
-            <a:r>
-              <a:rPr lang="sk" sz="1800" dirty="0">
-                <a:solidFill>
-                  <a:schemeClr val="tx1">
-                    <a:lumMod val="65000"/>
-                    <a:lumOff val="35000"/>
-                  </a:schemeClr>
-                </a:solidFill>
-              </a:rPr>
-              <a:t>z príkazového riadku</a:t>
-            </a:r>
-          </a:p>
-          <a:p>
-            <a:pPr marL="457200" lvl="0" indent="-342900" rtl="0">
-              <a:spcBef>
-                <a:spcPts val="1000"/>
-              </a:spcBef>
-              <a:buClr>
-                <a:srgbClr val="666666"/>
-              </a:buClr>
-              <a:buSzPct val="100000"/>
-              <a:buChar char="●"/>
-            </a:pPr>
-            <a:r>
-              <a:rPr lang="sk" sz="1800" dirty="0">
-                <a:solidFill>
-                  <a:schemeClr val="tx1">
-                    <a:lumMod val="65000"/>
-                    <a:lumOff val="35000"/>
-                  </a:schemeClr>
-                </a:solidFill>
-              </a:rPr>
-              <a:t>zo spustiteľného jar súboru</a:t>
-            </a:r>
-          </a:p>
-        </p:txBody>
-      </p:sp>
-      <p:sp>
-        <p:nvSpPr>
-          <p:cNvPr id="149" name="Shape 149"/>
-          <p:cNvSpPr/>
-          <p:nvPr/>
-        </p:nvSpPr>
-        <p:spPr>
-          <a:xfrm>
-            <a:off x="5382855" y="2969888"/>
-            <a:ext cx="2387699" cy="1551900"/>
-          </a:xfrm>
-          <a:prstGeom prst="wedgeRectCallout">
-            <a:avLst>
-              <a:gd name="adj1" fmla="val -85828"/>
-              <a:gd name="adj2" fmla="val 40942"/>
-            </a:avLst>
-          </a:prstGeom>
-          <a:solidFill>
-            <a:srgbClr val="B6D7A8"/>
-          </a:solidFill>
-          <a:ln w="9525" cap="flat" cmpd="sng">
-            <a:solidFill>
-              <a:srgbClr val="666666"/>
-            </a:solidFill>
-            <a:prstDash val="solid"/>
-            <a:round/>
-            <a:headEnd type="none" w="med" len="med"/>
-            <a:tailEnd type="none" w="med" len="med"/>
-          </a:ln>
-        </p:spPr>
-        <p:txBody>
-          <a:bodyPr lIns="91425" tIns="91425" rIns="91425" bIns="91425" anchor="t" anchorCtr="0">
-            <a:noAutofit/>
-          </a:bodyPr>
-          <a:lstStyle/>
-          <a:p>
-            <a:pPr marL="0" marR="0" lvl="0" indent="0" algn="l" rtl="0">
-              <a:lnSpc>
-                <a:spcPct val="100000"/>
-              </a:lnSpc>
-              <a:spcBef>
-                <a:spcPts val="0"/>
-              </a:spcBef>
-              <a:spcAft>
-                <a:spcPts val="0"/>
-              </a:spcAft>
-              <a:buNone/>
-            </a:pPr>
-            <a:r>
-              <a:rPr lang="sk" sz="1200" b="1" dirty="0">
-                <a:solidFill>
-                  <a:srgbClr val="990000"/>
-                </a:solidFill>
-              </a:rPr>
-              <a:t>v Eclipse na triede Client pravé tlačítko / Export / Java / Runnable jar file</a:t>
-            </a:r>
-          </a:p>
-        </p:txBody>
-      </p:sp>
-      <p:pic>
-        <p:nvPicPr>
-          <p:cNvPr id="150" name="Shape 150"/>
-          <p:cNvPicPr preferRelativeResize="0"/>
-          <p:nvPr/>
-        </p:nvPicPr>
-        <p:blipFill>
-          <a:blip r:embed="rId4">
-            <a:alphaModFix/>
-          </a:blip>
-          <a:stretch>
-            <a:fillRect/>
-          </a:stretch>
-        </p:blipFill>
-        <p:spPr>
-          <a:xfrm>
-            <a:off x="5496666" y="3679739"/>
-            <a:ext cx="2160075" cy="787864"/>
-          </a:xfrm>
-          <a:prstGeom prst="rect">
-            <a:avLst/>
-          </a:prstGeom>
-          <a:noFill/>
-          <a:ln>
-            <a:noFill/>
-          </a:ln>
-        </p:spPr>
-      </p:pic>
-      <p:sp>
-        <p:nvSpPr>
-          <p:cNvPr id="4" name="Zástupný symbol čísla snímky 3"/>
-          <p:cNvSpPr>
-            <a:spLocks noGrp="1"/>
-          </p:cNvSpPr>
-          <p:nvPr>
-            <p:ph type="sldNum" sz="quarter" idx="12"/>
-          </p:nvPr>
-        </p:nvSpPr>
-        <p:spPr/>
-        <p:txBody>
-          <a:bodyPr/>
-          <a:lstStyle/>
-          <a:p>
-            <a:fld id="{7497AAFE-E2E9-4BD8-8F5D-0DCF3CAF0ED9}" type="slidenum">
-              <a:rPr lang="sk-SK" smtClean="0"/>
-              <a:t>17</a:t>
-            </a:fld>
-            <a:endParaRPr lang="sk-SK"/>
-          </a:p>
-        </p:txBody>
-      </p:sp>
-      <p:sp>
-        <p:nvSpPr>
-          <p:cNvPr id="7" name="Shape 45"/>
-          <p:cNvSpPr txBox="1"/>
-          <p:nvPr/>
-        </p:nvSpPr>
-        <p:spPr>
-          <a:xfrm>
-            <a:off x="2190613" y="333455"/>
-            <a:ext cx="4821980" cy="528318"/>
-          </a:xfrm>
-          <a:prstGeom prst="rect">
-            <a:avLst/>
-          </a:prstGeom>
-          <a:noFill/>
-          <a:ln>
-            <a:noFill/>
-          </a:ln>
-        </p:spPr>
-        <p:txBody>
-          <a:bodyPr lIns="91425" tIns="91425" rIns="91425" bIns="91425" anchor="t" anchorCtr="0">
-            <a:noAutofit/>
-          </a:bodyPr>
-          <a:lstStyle/>
-          <a:p>
-            <a:pPr lvl="0"/>
-            <a:r>
-              <a:rPr lang="sk" sz="2400" b="1" dirty="0">
-                <a:solidFill>
-                  <a:schemeClr val="tx1">
-                    <a:lumMod val="65000"/>
-                    <a:lumOff val="35000"/>
-                  </a:schemeClr>
-                </a:solidFill>
-              </a:rPr>
-              <a:t>SPUSTENIE JAVA PROGRAMU</a:t>
-            </a:r>
-          </a:p>
-        </p:txBody>
-      </p:sp>
-    </p:spTree>
-  </p:cSld>
-  <p:clrMapOvr>
-    <a:masterClrMapping/>
-  </p:clrMapOvr>
-  <p:transition spd="slow">
-    <p:cut/>
-  </p:transition>
-</p:sld>
-</file>
-
-<file path=ppt/slides/slide2.xml><?xml version="1.0" encoding="utf-8"?>
-<p:sld xmlns:a="http://schemas.openxmlformats.org/drawingml/2006/main" xmlns:r="http://schemas.openxmlformats.org/officeDocument/2006/relationships" xmlns:p="http://schemas.openxmlformats.org/presentationml/2006/main">
-  <p:cSld>
-    <p:spTree>
-      <p:nvGrpSpPr>
-        <p:cNvPr id="1" name="Shape 30"/>
-        <p:cNvGrpSpPr/>
-        <p:nvPr/>
-      </p:nvGrpSpPr>
-      <p:grpSpPr>
-        <a:xfrm>
-          <a:off x="0" y="0"/>
-          <a:ext cx="0" cy="0"/>
-          <a:chOff x="0" y="0"/>
-          <a:chExt cx="0" cy="0"/>
-        </a:xfrm>
-      </p:grpSpPr>
-      <p:sp>
-        <p:nvSpPr>
-          <p:cNvPr id="15" name="Zástupný symbol čísla snímky 14"/>
-          <p:cNvSpPr>
-            <a:spLocks noGrp="1"/>
-          </p:cNvSpPr>
-          <p:nvPr>
-            <p:ph type="sldNum" sz="quarter" idx="12"/>
-          </p:nvPr>
-        </p:nvSpPr>
-        <p:spPr/>
-        <p:txBody>
-          <a:bodyPr/>
-          <a:lstStyle/>
-          <a:p>
-            <a:fld id="{7497AAFE-E2E9-4BD8-8F5D-0DCF3CAF0ED9}" type="slidenum">
-              <a:rPr lang="sk-SK" smtClean="0"/>
-              <a:t>2</a:t>
-            </a:fld>
-            <a:endParaRPr lang="sk-SK"/>
-          </a:p>
-        </p:txBody>
-      </p:sp>
-      <p:pic>
-        <p:nvPicPr>
-          <p:cNvPr id="2" name="Obrázok 1"/>
-          <p:cNvPicPr>
-            <a:picLocks noChangeAspect="1"/>
-          </p:cNvPicPr>
-          <p:nvPr/>
-        </p:nvPicPr>
-        <p:blipFill>
-          <a:blip r:embed="rId3"/>
-          <a:stretch>
-            <a:fillRect/>
-          </a:stretch>
-        </p:blipFill>
-        <p:spPr>
-          <a:xfrm>
-            <a:off x="423252" y="1313632"/>
-            <a:ext cx="8323809" cy="3371429"/>
-          </a:xfrm>
-          <a:prstGeom prst="rect">
-            <a:avLst/>
-          </a:prstGeom>
-        </p:spPr>
-      </p:pic>
-      <p:sp>
-        <p:nvSpPr>
-          <p:cNvPr id="4" name="Shape 45"/>
-          <p:cNvSpPr txBox="1"/>
-          <p:nvPr/>
-        </p:nvSpPr>
-        <p:spPr>
-          <a:xfrm>
-            <a:off x="2547634" y="404253"/>
-            <a:ext cx="4075043" cy="728699"/>
-          </a:xfrm>
-          <a:prstGeom prst="rect">
-            <a:avLst/>
-          </a:prstGeom>
-          <a:noFill/>
-          <a:ln>
-            <a:noFill/>
-          </a:ln>
-        </p:spPr>
-        <p:txBody>
-          <a:bodyPr lIns="91425" tIns="91425" rIns="91425" bIns="91425" anchor="t" anchorCtr="0">
-            <a:noAutofit/>
-          </a:bodyPr>
-          <a:lstStyle/>
-          <a:p>
-            <a:pPr lvl="0" rtl="0">
-              <a:lnSpc>
-                <a:spcPct val="115000"/>
-              </a:lnSpc>
-              <a:spcBef>
-                <a:spcPts val="0"/>
-              </a:spcBef>
-              <a:buClr>
-                <a:schemeClr val="dk1"/>
-              </a:buClr>
-              <a:buFont typeface="Arial"/>
-              <a:buNone/>
-            </a:pPr>
-            <a:r>
-              <a:rPr lang="en-US" sz="2400" b="1" dirty="0">
-                <a:solidFill>
-                  <a:schemeClr val="tx1">
-                    <a:lumMod val="65000"/>
-                    <a:lumOff val="35000"/>
-                  </a:schemeClr>
-                </a:solidFill>
-              </a:rPr>
-              <a:t>JAVA, CLASS, JVM, JRE</a:t>
-            </a:r>
-            <a:endParaRPr sz="2400" b="1" dirty="0">
-              <a:solidFill>
-                <a:schemeClr val="tx1">
-                  <a:lumMod val="65000"/>
-                  <a:lumOff val="35000"/>
-                </a:schemeClr>
-              </a:solidFill>
-            </a:endParaRPr>
-          </a:p>
-        </p:txBody>
-      </p:sp>
-    </p:spTree>
-    <p:extLst>
-      <p:ext uri="{BB962C8B-B14F-4D97-AF65-F5344CB8AC3E}">
-        <p14:creationId xmlns:p14="http://schemas.microsoft.com/office/powerpoint/2010/main" val="471694266"/>
       </p:ext>
     </p:extLst>
   </p:cSld>
